--- a/2019-westphal-twofcs-pres.pptx
+++ b/2019-westphal-twofcs-pres.pptx
@@ -5,10 +5,10 @@
     <p:sldMasterId id="2147483648" r:id="rId1"/>
   </p:sldMasterIdLst>
   <p:notesMasterIdLst>
-    <p:notesMasterId r:id="rId19"/>
+    <p:notesMasterId r:id="rId20"/>
   </p:notesMasterIdLst>
   <p:handoutMasterIdLst>
-    <p:handoutMasterId r:id="rId20"/>
+    <p:handoutMasterId r:id="rId21"/>
   </p:handoutMasterIdLst>
   <p:sldIdLst>
     <p:sldId id="261" r:id="rId2"/>
@@ -17,17 +17,18 @@
     <p:sldId id="263" r:id="rId5"/>
     <p:sldId id="267" r:id="rId6"/>
     <p:sldId id="268" r:id="rId7"/>
-    <p:sldId id="278" r:id="rId8"/>
-    <p:sldId id="280" r:id="rId9"/>
-    <p:sldId id="269" r:id="rId10"/>
-    <p:sldId id="270" r:id="rId11"/>
-    <p:sldId id="281" r:id="rId12"/>
+    <p:sldId id="280" r:id="rId8"/>
+    <p:sldId id="269" r:id="rId9"/>
+    <p:sldId id="270" r:id="rId10"/>
+    <p:sldId id="281" r:id="rId11"/>
+    <p:sldId id="278" r:id="rId12"/>
     <p:sldId id="264" r:id="rId13"/>
     <p:sldId id="282" r:id="rId14"/>
     <p:sldId id="272" r:id="rId15"/>
     <p:sldId id="271" r:id="rId16"/>
-    <p:sldId id="277" r:id="rId17"/>
-    <p:sldId id="273" r:id="rId18"/>
+    <p:sldId id="283" r:id="rId17"/>
+    <p:sldId id="277" r:id="rId18"/>
+    <p:sldId id="273" r:id="rId19"/>
   </p:sldIdLst>
   <p:sldSz cx="9144000" cy="6858000" type="screen4x3"/>
   <p:notesSz cx="6858000" cy="9144000"/>
@@ -412,7 +413,7 @@
           <a:p>
             <a:fld id="{F0562B9F-DA26-F243-9DA5-435978A7B711}" type="datetimeFigureOut">
               <a:rPr lang="en-US" smtClean="0"/>
-              <a:t>6/23/2019</a:t>
+              <a:t>6/27/2019</a:t>
             </a:fld>
             <a:endParaRPr lang="en-US"/>
           </a:p>
@@ -851,7 +852,7 @@
     </p:spTree>
     <p:extLst>
       <p:ext uri="{BB962C8B-B14F-4D97-AF65-F5344CB8AC3E}">
-        <p14:creationId xmlns:p14="http://schemas.microsoft.com/office/powerpoint/2010/main" val="3755289142"/>
+        <p14:creationId xmlns:p14="http://schemas.microsoft.com/office/powerpoint/2010/main" val="4263426630"/>
       </p:ext>
     </p:extLst>
   </p:cSld>
@@ -940,7 +941,7 @@
     </p:spTree>
     <p:extLst>
       <p:ext uri="{BB962C8B-B14F-4D97-AF65-F5344CB8AC3E}">
-        <p14:creationId xmlns:p14="http://schemas.microsoft.com/office/powerpoint/2010/main" val="4263426630"/>
+        <p14:creationId xmlns:p14="http://schemas.microsoft.com/office/powerpoint/2010/main" val="1307378573"/>
       </p:ext>
     </p:extLst>
   </p:cSld>
@@ -1350,35 +1351,24 @@
           <a:bodyPr/>
           <a:lstStyle/>
           <a:p>
-            <a:pPr marL="0" marR="0" lvl="0" indent="0" algn="l" defTabSz="914400" rtl="0" eaLnBrk="1" fontAlgn="auto" latinLnBrk="0" hangingPunct="1">
-              <a:lnSpc>
-                <a:spcPct val="100000"/>
-              </a:lnSpc>
-              <a:spcBef>
-                <a:spcPts val="0"/>
-              </a:spcBef>
-              <a:spcAft>
-                <a:spcPts val="0"/>
-              </a:spcAft>
-              <a:buClrTx/>
-              <a:buSzTx/>
-              <a:buFontTx/>
-              <a:buNone/>
-              <a:tabLst/>
-              <a:defRPr/>
-            </a:pPr>
             <a:endParaRPr lang="en-US" dirty="0"/>
           </a:p>
         </p:txBody>
       </p:sp>
       <p:sp>
         <p:nvSpPr>
-          <p:cNvPr id="4" name="Slide Number Placeholder 3"/>
+          <p:cNvPr id="7" name="Footer Placeholder 6">
+            <a:extLst>
+              <a:ext uri="{FF2B5EF4-FFF2-40B4-BE49-F238E27FC236}">
+                <a16:creationId xmlns:a16="http://schemas.microsoft.com/office/drawing/2014/main" id="{3A17983E-F5B0-4943-B5E3-25EB7A67CFB7}"/>
+              </a:ext>
+            </a:extLst>
+          </p:cNvPr>
           <p:cNvSpPr>
             <a:spLocks noGrp="1"/>
           </p:cNvSpPr>
           <p:nvPr>
-            <p:ph type="sldNum" sz="quarter" idx="10"/>
+            <p:ph type="ftr" sz="quarter" idx="11"/>
           </p:nvPr>
         </p:nvSpPr>
         <p:spPr/>
@@ -1386,18 +1376,17 @@
           <a:bodyPr/>
           <a:lstStyle/>
           <a:p>
-            <a:fld id="{A4B22E26-CDFF-F444-A057-20EDEF73956C}" type="slidenum">
-              <a:rPr lang="en-US" smtClean="0"/>
-              <a:t>16</a:t>
-            </a:fld>
-            <a:endParaRPr lang="en-US"/>
+            <a:r>
+              <a:rPr lang="en-US"/>
+              <a:t>hello</a:t>
+            </a:r>
           </a:p>
         </p:txBody>
       </p:sp>
     </p:spTree>
     <p:extLst>
       <p:ext uri="{BB962C8B-B14F-4D97-AF65-F5344CB8AC3E}">
-        <p14:creationId xmlns:p14="http://schemas.microsoft.com/office/powerpoint/2010/main" val="2104317490"/>
+        <p14:creationId xmlns:p14="http://schemas.microsoft.com/office/powerpoint/2010/main" val="382223072"/>
       </p:ext>
     </p:extLst>
   </p:cSld>
@@ -1451,6 +1440,23 @@
           <a:bodyPr/>
           <a:lstStyle/>
           <a:p>
+            <a:pPr marL="0" marR="0" lvl="0" indent="0" algn="l" defTabSz="914400" rtl="0" eaLnBrk="1" fontAlgn="auto" latinLnBrk="0" hangingPunct="1">
+              <a:lnSpc>
+                <a:spcPct val="100000"/>
+              </a:lnSpc>
+              <a:spcBef>
+                <a:spcPts val="0"/>
+              </a:spcBef>
+              <a:spcAft>
+                <a:spcPts val="0"/>
+              </a:spcAft>
+              <a:buClrTx/>
+              <a:buSzTx/>
+              <a:buFontTx/>
+              <a:buNone/>
+              <a:tabLst/>
+              <a:defRPr/>
+            </a:pPr>
             <a:endParaRPr lang="en-US" dirty="0"/>
           </a:p>
         </p:txBody>
@@ -1473,6 +1479,90 @@
             <a:fld id="{A4B22E26-CDFF-F444-A057-20EDEF73956C}" type="slidenum">
               <a:rPr lang="en-US" smtClean="0"/>
               <a:t>17</a:t>
+            </a:fld>
+            <a:endParaRPr lang="en-US"/>
+          </a:p>
+        </p:txBody>
+      </p:sp>
+    </p:spTree>
+    <p:extLst>
+      <p:ext uri="{BB962C8B-B14F-4D97-AF65-F5344CB8AC3E}">
+        <p14:creationId xmlns:p14="http://schemas.microsoft.com/office/powerpoint/2010/main" val="2104317490"/>
+      </p:ext>
+    </p:extLst>
+  </p:cSld>
+  <p:clrMapOvr>
+    <a:masterClrMapping/>
+  </p:clrMapOvr>
+</p:notes>
+</file>
+
+<file path=ppt/notesSlides/notesSlide18.xml><?xml version="1.0" encoding="utf-8"?>
+<p:notes xmlns:a="http://schemas.openxmlformats.org/drawingml/2006/main" xmlns:r="http://schemas.openxmlformats.org/officeDocument/2006/relationships" xmlns:p="http://schemas.openxmlformats.org/presentationml/2006/main">
+  <p:cSld>
+    <p:spTree>
+      <p:nvGrpSpPr>
+        <p:cNvPr id="1" name=""/>
+        <p:cNvGrpSpPr/>
+        <p:nvPr/>
+      </p:nvGrpSpPr>
+      <p:grpSpPr>
+        <a:xfrm>
+          <a:off x="0" y="0"/>
+          <a:ext cx="0" cy="0"/>
+          <a:chOff x="0" y="0"/>
+          <a:chExt cx="0" cy="0"/>
+        </a:xfrm>
+      </p:grpSpPr>
+      <p:sp>
+        <p:nvSpPr>
+          <p:cNvPr id="2" name="Slide Image Placeholder 1"/>
+          <p:cNvSpPr>
+            <a:spLocks noGrp="1" noRot="1" noChangeAspect="1"/>
+          </p:cNvSpPr>
+          <p:nvPr>
+            <p:ph type="sldImg"/>
+          </p:nvPr>
+        </p:nvSpPr>
+        <p:spPr/>
+      </p:sp>
+      <p:sp>
+        <p:nvSpPr>
+          <p:cNvPr id="3" name="Notes Placeholder 2"/>
+          <p:cNvSpPr>
+            <a:spLocks noGrp="1"/>
+          </p:cNvSpPr>
+          <p:nvPr>
+            <p:ph type="body" idx="1"/>
+          </p:nvPr>
+        </p:nvSpPr>
+        <p:spPr/>
+        <p:txBody>
+          <a:bodyPr/>
+          <a:lstStyle/>
+          <a:p>
+            <a:endParaRPr lang="en-US" dirty="0"/>
+          </a:p>
+        </p:txBody>
+      </p:sp>
+      <p:sp>
+        <p:nvSpPr>
+          <p:cNvPr id="4" name="Slide Number Placeholder 3"/>
+          <p:cNvSpPr>
+            <a:spLocks noGrp="1"/>
+          </p:cNvSpPr>
+          <p:nvPr>
+            <p:ph type="sldNum" sz="quarter" idx="10"/>
+          </p:nvPr>
+        </p:nvSpPr>
+        <p:spPr/>
+        <p:txBody>
+          <a:bodyPr/>
+          <a:lstStyle/>
+          <a:p>
+            <a:fld id="{A4B22E26-CDFF-F444-A057-20EDEF73956C}" type="slidenum">
+              <a:rPr lang="en-US" smtClean="0"/>
+              <a:t>18</a:t>
             </a:fld>
             <a:endParaRPr lang="en-US"/>
           </a:p>
@@ -1810,19 +1900,7 @@
           <a:bodyPr/>
           <a:lstStyle/>
           <a:p>
-            <a:r>
-              <a:rPr lang="en-US" dirty="0"/>
-              <a:t>This is the input parameters for d3ploy. Go through each input option. </a:t>
-            </a:r>
-          </a:p>
-          <a:p>
             <a:endParaRPr lang="en-US" dirty="0"/>
-          </a:p>
-          <a:p>
-            <a:r>
-              <a:rPr lang="en-US" dirty="0"/>
-              <a:t>I will give an example scenario and the resulting plots are on the next slide. </a:t>
-            </a:r>
           </a:p>
         </p:txBody>
       </p:sp>
@@ -2008,7 +2086,10 @@
           <a:bodyPr/>
           <a:lstStyle/>
           <a:p>
-            <a:endParaRPr lang="en-US" dirty="0"/>
+            <a:r>
+              <a:rPr lang="en-US" dirty="0"/>
+              <a:t>Describe CUSUM – make a slide for it</a:t>
+            </a:r>
           </a:p>
         </p:txBody>
       </p:sp>
@@ -2043,7 +2124,7 @@
     </p:spTree>
     <p:extLst>
       <p:ext uri="{BB962C8B-B14F-4D97-AF65-F5344CB8AC3E}">
-        <p14:creationId xmlns:p14="http://schemas.microsoft.com/office/powerpoint/2010/main" val="1307378573"/>
+        <p14:creationId xmlns:p14="http://schemas.microsoft.com/office/powerpoint/2010/main" val="3282286996"/>
       </p:ext>
     </p:extLst>
   </p:cSld>
@@ -2097,10 +2178,7 @@
           <a:bodyPr/>
           <a:lstStyle/>
           <a:p>
-            <a:r>
-              <a:rPr lang="en-US" dirty="0"/>
-              <a:t>Describe CUSUM – make a slide for it</a:t>
-            </a:r>
+            <a:endParaRPr lang="en-US" dirty="0"/>
           </a:p>
         </p:txBody>
       </p:sp>
@@ -2135,7 +2213,7 @@
     </p:spTree>
     <p:extLst>
       <p:ext uri="{BB962C8B-B14F-4D97-AF65-F5344CB8AC3E}">
-        <p14:creationId xmlns:p14="http://schemas.microsoft.com/office/powerpoint/2010/main" val="3282286996"/>
+        <p14:creationId xmlns:p14="http://schemas.microsoft.com/office/powerpoint/2010/main" val="3116216405"/>
       </p:ext>
     </p:extLst>
   </p:cSld>
@@ -2224,7 +2302,7 @@
     </p:spTree>
     <p:extLst>
       <p:ext uri="{BB962C8B-B14F-4D97-AF65-F5344CB8AC3E}">
-        <p14:creationId xmlns:p14="http://schemas.microsoft.com/office/powerpoint/2010/main" val="3116216405"/>
+        <p14:creationId xmlns:p14="http://schemas.microsoft.com/office/powerpoint/2010/main" val="3755289142"/>
       </p:ext>
     </p:extLst>
   </p:cSld>
@@ -4232,198 +4310,6 @@
       </p:sp>
       <p:pic>
         <p:nvPicPr>
-          <p:cNvPr id="4" name="Picture 3">
-            <a:extLst>
-              <a:ext uri="{FF2B5EF4-FFF2-40B4-BE49-F238E27FC236}">
-                <a16:creationId xmlns:a16="http://schemas.microsoft.com/office/drawing/2014/main" id="{20172B2E-63B9-4B7F-B238-B6ECF8C65974}"/>
-              </a:ext>
-            </a:extLst>
-          </p:cNvPr>
-          <p:cNvPicPr>
-            <a:picLocks noChangeAspect="1"/>
-          </p:cNvPicPr>
-          <p:nvPr/>
-        </p:nvPicPr>
-        <p:blipFill>
-          <a:blip r:embed="rId3"/>
-          <a:stretch>
-            <a:fillRect/>
-          </a:stretch>
-        </p:blipFill>
-        <p:spPr>
-          <a:xfrm>
-            <a:off x="381000" y="1663297"/>
-            <a:ext cx="7898476" cy="4409190"/>
-          </a:xfrm>
-          <a:prstGeom prst="rect">
-            <a:avLst/>
-          </a:prstGeom>
-        </p:spPr>
-      </p:pic>
-    </p:spTree>
-    <p:extLst>
-      <p:ext uri="{BB962C8B-B14F-4D97-AF65-F5344CB8AC3E}">
-        <p14:creationId xmlns:p14="http://schemas.microsoft.com/office/powerpoint/2010/main" val="232569964"/>
-      </p:ext>
-    </p:extLst>
-  </p:cSld>
-  <p:clrMapOvr>
-    <a:masterClrMapping/>
-  </p:clrMapOvr>
-</p:sld>
-</file>
-
-<file path=ppt/slides/slide11.xml><?xml version="1.0" encoding="utf-8"?>
-<p:sld xmlns:a="http://schemas.openxmlformats.org/drawingml/2006/main" xmlns:r="http://schemas.openxmlformats.org/officeDocument/2006/relationships" xmlns:p="http://schemas.openxmlformats.org/presentationml/2006/main">
-  <p:cSld>
-    <p:spTree>
-      <p:nvGrpSpPr>
-        <p:cNvPr id="1" name=""/>
-        <p:cNvGrpSpPr/>
-        <p:nvPr/>
-      </p:nvGrpSpPr>
-      <p:grpSpPr>
-        <a:xfrm>
-          <a:off x="0" y="0"/>
-          <a:ext cx="0" cy="0"/>
-          <a:chOff x="0" y="0"/>
-          <a:chExt cx="0" cy="0"/>
-        </a:xfrm>
-      </p:grpSpPr>
-      <p:sp>
-        <p:nvSpPr>
-          <p:cNvPr id="6" name="Title 1"/>
-          <p:cNvSpPr>
-            <a:spLocks noGrp="1"/>
-          </p:cNvSpPr>
-          <p:nvPr>
-            <p:ph type="title"/>
-          </p:nvPr>
-        </p:nvSpPr>
-        <p:spPr>
-          <a:xfrm>
-            <a:off x="381000" y="685800"/>
-            <a:ext cx="7045036" cy="731838"/>
-          </a:xfrm>
-        </p:spPr>
-        <p:txBody>
-          <a:bodyPr/>
-          <a:lstStyle/>
-          <a:p>
-            <a:pPr algn="l"/>
-            <a:r>
-              <a:rPr lang="en-US" sz="3200" b="1" dirty="0">
-                <a:solidFill>
-                  <a:srgbClr val="13294B"/>
-                </a:solidFill>
-                <a:latin typeface="Helvetica" pitchFamily="2" charset="0"/>
-                <a:ea typeface="Georgia" charset="0"/>
-                <a:cs typeface="Georgia" charset="0"/>
-              </a:rPr>
-              <a:t>Transition Scenario - Results</a:t>
-            </a:r>
-            <a:endParaRPr lang="en-US" sz="3200" dirty="0">
-              <a:solidFill>
-                <a:srgbClr val="13294B"/>
-              </a:solidFill>
-              <a:latin typeface="Helvetica" pitchFamily="2" charset="0"/>
-            </a:endParaRPr>
-          </a:p>
-        </p:txBody>
-      </p:sp>
-      <p:sp>
-        <p:nvSpPr>
-          <p:cNvPr id="8" name="TextBox 7">
-            <a:extLst>
-              <a:ext uri="{FF2B5EF4-FFF2-40B4-BE49-F238E27FC236}">
-                <a16:creationId xmlns:a16="http://schemas.microsoft.com/office/drawing/2014/main" id="{BB61DE4D-D6A8-354B-85CE-40952730020D}"/>
-              </a:ext>
-            </a:extLst>
-          </p:cNvPr>
-          <p:cNvSpPr txBox="1"/>
-          <p:nvPr/>
-        </p:nvSpPr>
-        <p:spPr>
-          <a:xfrm>
-            <a:off x="381000" y="347246"/>
-            <a:ext cx="1855763" cy="338554"/>
-          </a:xfrm>
-          <a:prstGeom prst="rect">
-            <a:avLst/>
-          </a:prstGeom>
-          <a:noFill/>
-        </p:spPr>
-        <p:txBody>
-          <a:bodyPr wrap="square" rtlCol="0">
-            <a:spAutoFit/>
-          </a:bodyPr>
-          <a:lstStyle/>
-          <a:p>
-            <a:r>
-              <a:rPr lang="en-US" sz="1600" dirty="0">
-                <a:latin typeface="Helvetica" pitchFamily="2" charset="0"/>
-              </a:rPr>
-              <a:t>Demonstrations</a:t>
-            </a:r>
-          </a:p>
-        </p:txBody>
-      </p:sp>
-      <p:sp>
-        <p:nvSpPr>
-          <p:cNvPr id="9" name="Content Placeholder 2">
-            <a:extLst>
-              <a:ext uri="{FF2B5EF4-FFF2-40B4-BE49-F238E27FC236}">
-                <a16:creationId xmlns:a16="http://schemas.microsoft.com/office/drawing/2014/main" id="{4D125D08-68CA-FA48-98C2-E14CCDFFF197}"/>
-              </a:ext>
-            </a:extLst>
-          </p:cNvPr>
-          <p:cNvSpPr>
-            <a:spLocks noGrp="1"/>
-          </p:cNvSpPr>
-          <p:nvPr>
-            <p:ph idx="1"/>
-          </p:nvPr>
-        </p:nvSpPr>
-        <p:spPr>
-          <a:xfrm>
-            <a:off x="381000" y="1309500"/>
-            <a:ext cx="7045036" cy="4338781"/>
-          </a:xfrm>
-        </p:spPr>
-        <p:txBody>
-          <a:bodyPr/>
-          <a:lstStyle/>
-          <a:p>
-            <a:pPr>
-              <a:buFont typeface="Wingdings" pitchFamily="2" charset="2"/>
-              <a:buChar char="v"/>
-            </a:pPr>
-            <a:endParaRPr lang="en-US" sz="2000" dirty="0">
-              <a:latin typeface="Helvetica" pitchFamily="2" charset="0"/>
-            </a:endParaRPr>
-          </a:p>
-          <a:p>
-            <a:pPr>
-              <a:buFont typeface="Wingdings" pitchFamily="2" charset="2"/>
-              <a:buChar char="v"/>
-            </a:pPr>
-            <a:endParaRPr lang="en-US" sz="2000" dirty="0">
-              <a:latin typeface="Helvetica" pitchFamily="2" charset="0"/>
-            </a:endParaRPr>
-          </a:p>
-          <a:p>
-            <a:pPr>
-              <a:buFont typeface="Wingdings" pitchFamily="2" charset="2"/>
-              <a:buChar char="v"/>
-            </a:pPr>
-            <a:endParaRPr lang="en-US" sz="2000" dirty="0">
-              <a:latin typeface="Helvetica" pitchFamily="2" charset="0"/>
-            </a:endParaRPr>
-          </a:p>
-        </p:txBody>
-      </p:sp>
-      <p:pic>
-        <p:nvPicPr>
           <p:cNvPr id="3" name="Picture 2">
             <a:extLst>
               <a:ext uri="{FF2B5EF4-FFF2-40B4-BE49-F238E27FC236}">
@@ -4456,6 +4342,552 @@
     <p:extLst>
       <p:ext uri="{BB962C8B-B14F-4D97-AF65-F5344CB8AC3E}">
         <p14:creationId xmlns:p14="http://schemas.microsoft.com/office/powerpoint/2010/main" val="2204246928"/>
+      </p:ext>
+    </p:extLst>
+  </p:cSld>
+  <p:clrMapOvr>
+    <a:masterClrMapping/>
+  </p:clrMapOvr>
+</p:sld>
+</file>
+
+<file path=ppt/slides/slide11.xml><?xml version="1.0" encoding="utf-8"?>
+<p:sld xmlns:a="http://schemas.openxmlformats.org/drawingml/2006/main" xmlns:r="http://schemas.openxmlformats.org/officeDocument/2006/relationships" xmlns:p="http://schemas.openxmlformats.org/presentationml/2006/main">
+  <p:cSld>
+    <p:spTree>
+      <p:nvGrpSpPr>
+        <p:cNvPr id="1" name=""/>
+        <p:cNvGrpSpPr/>
+        <p:nvPr/>
+      </p:nvGrpSpPr>
+      <p:grpSpPr>
+        <a:xfrm>
+          <a:off x="0" y="0"/>
+          <a:ext cx="0" cy="0"/>
+          <a:chOff x="0" y="0"/>
+          <a:chExt cx="0" cy="0"/>
+        </a:xfrm>
+      </p:grpSpPr>
+      <p:sp>
+        <p:nvSpPr>
+          <p:cNvPr id="6" name="Title 1"/>
+          <p:cNvSpPr>
+            <a:spLocks noGrp="1"/>
+          </p:cNvSpPr>
+          <p:nvPr>
+            <p:ph type="title"/>
+          </p:nvPr>
+        </p:nvSpPr>
+        <p:spPr>
+          <a:xfrm>
+            <a:off x="381000" y="685800"/>
+            <a:ext cx="7045036" cy="731838"/>
+          </a:xfrm>
+        </p:spPr>
+        <p:txBody>
+          <a:bodyPr/>
+          <a:lstStyle/>
+          <a:p>
+            <a:pPr algn="l"/>
+            <a:r>
+              <a:rPr lang="en-US" sz="3200" b="1" dirty="0">
+                <a:solidFill>
+                  <a:srgbClr val="13294B"/>
+                </a:solidFill>
+                <a:latin typeface="Helvetica" pitchFamily="2" charset="0"/>
+              </a:rPr>
+              <a:t>Diversion Settings</a:t>
+            </a:r>
+            <a:endParaRPr lang="en-US" sz="3200" dirty="0">
+              <a:solidFill>
+                <a:srgbClr val="13294B"/>
+              </a:solidFill>
+              <a:latin typeface="Helvetica" pitchFamily="2" charset="0"/>
+            </a:endParaRPr>
+          </a:p>
+        </p:txBody>
+      </p:sp>
+      <p:sp>
+        <p:nvSpPr>
+          <p:cNvPr id="8" name="TextBox 7">
+            <a:extLst>
+              <a:ext uri="{FF2B5EF4-FFF2-40B4-BE49-F238E27FC236}">
+                <a16:creationId xmlns:a16="http://schemas.microsoft.com/office/drawing/2014/main" id="{BB61DE4D-D6A8-354B-85CE-40952730020D}"/>
+              </a:ext>
+            </a:extLst>
+          </p:cNvPr>
+          <p:cNvSpPr txBox="1"/>
+          <p:nvPr/>
+        </p:nvSpPr>
+        <p:spPr>
+          <a:xfrm>
+            <a:off x="381000" y="347246"/>
+            <a:ext cx="1855763" cy="338554"/>
+          </a:xfrm>
+          <a:prstGeom prst="rect">
+            <a:avLst/>
+          </a:prstGeom>
+          <a:noFill/>
+        </p:spPr>
+        <p:txBody>
+          <a:bodyPr wrap="square" rtlCol="0">
+            <a:spAutoFit/>
+          </a:bodyPr>
+          <a:lstStyle/>
+          <a:p>
+            <a:r>
+              <a:rPr lang="en-US" sz="1600" dirty="0">
+                <a:latin typeface="Helvetica" pitchFamily="2" charset="0"/>
+              </a:rPr>
+              <a:t>Demonstrations</a:t>
+            </a:r>
+          </a:p>
+        </p:txBody>
+      </p:sp>
+      <p:sp>
+        <p:nvSpPr>
+          <p:cNvPr id="9" name="Content Placeholder 2">
+            <a:extLst>
+              <a:ext uri="{FF2B5EF4-FFF2-40B4-BE49-F238E27FC236}">
+                <a16:creationId xmlns:a16="http://schemas.microsoft.com/office/drawing/2014/main" id="{4D125D08-68CA-FA48-98C2-E14CCDFFF197}"/>
+              </a:ext>
+            </a:extLst>
+          </p:cNvPr>
+          <p:cNvSpPr>
+            <a:spLocks noGrp="1"/>
+          </p:cNvSpPr>
+          <p:nvPr>
+            <p:ph idx="1"/>
+          </p:nvPr>
+        </p:nvSpPr>
+        <p:spPr>
+          <a:xfrm>
+            <a:off x="381000" y="1309500"/>
+            <a:ext cx="7045036" cy="4338781"/>
+          </a:xfrm>
+        </p:spPr>
+        <p:txBody>
+          <a:bodyPr/>
+          <a:lstStyle/>
+          <a:p>
+            <a:pPr>
+              <a:buFont typeface="Wingdings" pitchFamily="2" charset="2"/>
+              <a:buChar char="v"/>
+            </a:pPr>
+            <a:endParaRPr lang="en-US" sz="2000" dirty="0">
+              <a:latin typeface="Helvetica" pitchFamily="2" charset="0"/>
+            </a:endParaRPr>
+          </a:p>
+          <a:p>
+            <a:pPr>
+              <a:buFont typeface="Wingdings" pitchFamily="2" charset="2"/>
+              <a:buChar char="v"/>
+            </a:pPr>
+            <a:endParaRPr lang="en-US" sz="2000" dirty="0">
+              <a:latin typeface="Helvetica" pitchFamily="2" charset="0"/>
+            </a:endParaRPr>
+          </a:p>
+          <a:p>
+            <a:pPr>
+              <a:buFont typeface="Wingdings" pitchFamily="2" charset="2"/>
+              <a:buChar char="v"/>
+            </a:pPr>
+            <a:endParaRPr lang="en-US" sz="2000" dirty="0">
+              <a:latin typeface="Helvetica" pitchFamily="2" charset="0"/>
+            </a:endParaRPr>
+          </a:p>
+        </p:txBody>
+      </p:sp>
+      <p:sp>
+        <p:nvSpPr>
+          <p:cNvPr id="2" name="TextBox 1">
+            <a:extLst>
+              <a:ext uri="{FF2B5EF4-FFF2-40B4-BE49-F238E27FC236}">
+                <a16:creationId xmlns:a16="http://schemas.microsoft.com/office/drawing/2014/main" id="{383FA589-9B57-418F-B3F6-122584A36234}"/>
+              </a:ext>
+            </a:extLst>
+          </p:cNvPr>
+          <p:cNvSpPr txBox="1"/>
+          <p:nvPr/>
+        </p:nvSpPr>
+        <p:spPr>
+          <a:xfrm>
+            <a:off x="446851" y="1890679"/>
+            <a:ext cx="2904565" cy="3693319"/>
+          </a:xfrm>
+          <a:prstGeom prst="rect">
+            <a:avLst/>
+          </a:prstGeom>
+          <a:noFill/>
+        </p:spPr>
+        <p:txBody>
+          <a:bodyPr wrap="square" rtlCol="0">
+            <a:spAutoFit/>
+          </a:bodyPr>
+          <a:lstStyle/>
+          <a:p>
+            <a:r>
+              <a:rPr lang="en-US" dirty="0">
+                <a:latin typeface="Helvetica" panose="020B0604020202020204" pitchFamily="34" charset="0"/>
+                <a:cs typeface="Helvetica" panose="020B0604020202020204" pitchFamily="34" charset="0"/>
+              </a:rPr>
+              <a:t>Two </a:t>
+            </a:r>
+            <a:r>
+              <a:rPr lang="en-US" dirty="0" err="1">
+                <a:latin typeface="Helvetica" panose="020B0604020202020204" pitchFamily="34" charset="0"/>
+                <a:cs typeface="Helvetica" panose="020B0604020202020204" pitchFamily="34" charset="0"/>
+              </a:rPr>
+              <a:t>PyRe</a:t>
+            </a:r>
+            <a:r>
+              <a:rPr lang="en-US" dirty="0">
+                <a:latin typeface="Helvetica" panose="020B0604020202020204" pitchFamily="34" charset="0"/>
+                <a:cs typeface="Helvetica" panose="020B0604020202020204" pitchFamily="34" charset="0"/>
+              </a:rPr>
+              <a:t> prototypes:</a:t>
+            </a:r>
+          </a:p>
+          <a:p>
+            <a:pPr marL="285750" indent="-285750">
+              <a:buFont typeface="Arial" panose="020B0604020202020204" pitchFamily="34" charset="0"/>
+              <a:buChar char="•"/>
+            </a:pPr>
+            <a:r>
+              <a:rPr lang="en-US" dirty="0">
+                <a:latin typeface="Helvetica" panose="020B0604020202020204" pitchFamily="34" charset="0"/>
+                <a:cs typeface="Helvetica" panose="020B0604020202020204" pitchFamily="34" charset="0"/>
+              </a:rPr>
+              <a:t>LWR vs SFR</a:t>
+            </a:r>
+          </a:p>
+          <a:p>
+            <a:endParaRPr lang="en-US" dirty="0">
+              <a:latin typeface="Helvetica" panose="020B0604020202020204" pitchFamily="34" charset="0"/>
+              <a:cs typeface="Helvetica" panose="020B0604020202020204" pitchFamily="34" charset="0"/>
+            </a:endParaRPr>
+          </a:p>
+          <a:p>
+            <a:r>
+              <a:rPr lang="en-US" dirty="0">
+                <a:latin typeface="Helvetica" panose="020B0604020202020204" pitchFamily="34" charset="0"/>
+                <a:cs typeface="Helvetica" panose="020B0604020202020204" pitchFamily="34" charset="0"/>
+              </a:rPr>
+              <a:t>LWR:</a:t>
+            </a:r>
+          </a:p>
+          <a:p>
+            <a:pPr marL="285750" indent="-285750">
+              <a:buFont typeface="Arial" panose="020B0604020202020204" pitchFamily="34" charset="0"/>
+              <a:buChar char="•"/>
+            </a:pPr>
+            <a:r>
+              <a:rPr lang="en-US" dirty="0">
+                <a:latin typeface="Helvetica" panose="020B0604020202020204" pitchFamily="34" charset="0"/>
+                <a:cs typeface="Helvetica" panose="020B0604020202020204" pitchFamily="34" charset="0"/>
+              </a:rPr>
+              <a:t>Fewer diversions</a:t>
+            </a:r>
+          </a:p>
+          <a:p>
+            <a:pPr marL="285750" indent="-285750">
+              <a:buFont typeface="Arial" panose="020B0604020202020204" pitchFamily="34" charset="0"/>
+              <a:buChar char="•"/>
+            </a:pPr>
+            <a:r>
+              <a:rPr lang="en-US" dirty="0">
+                <a:latin typeface="Helvetica" panose="020B0604020202020204" pitchFamily="34" charset="0"/>
+                <a:cs typeface="Helvetica" panose="020B0604020202020204" pitchFamily="34" charset="0"/>
+              </a:rPr>
+              <a:t>More material per instance</a:t>
+            </a:r>
+          </a:p>
+          <a:p>
+            <a:pPr marL="285750" indent="-285750">
+              <a:buFont typeface="Arial" panose="020B0604020202020204" pitchFamily="34" charset="0"/>
+              <a:buChar char="•"/>
+            </a:pPr>
+            <a:r>
+              <a:rPr lang="en-US" dirty="0">
+                <a:latin typeface="Helvetica" panose="020B0604020202020204" pitchFamily="34" charset="0"/>
+                <a:cs typeface="Helvetica" panose="020B0604020202020204" pitchFamily="34" charset="0"/>
+              </a:rPr>
+              <a:t>Less frequent</a:t>
+            </a:r>
+          </a:p>
+          <a:p>
+            <a:pPr marL="285750" indent="-285750">
+              <a:buFont typeface="Arial" panose="020B0604020202020204" pitchFamily="34" charset="0"/>
+              <a:buChar char="•"/>
+            </a:pPr>
+            <a:endParaRPr lang="en-US" dirty="0">
+              <a:latin typeface="Helvetica" panose="020B0604020202020204" pitchFamily="34" charset="0"/>
+              <a:cs typeface="Helvetica" panose="020B0604020202020204" pitchFamily="34" charset="0"/>
+            </a:endParaRPr>
+          </a:p>
+          <a:p>
+            <a:r>
+              <a:rPr lang="en-US" dirty="0">
+                <a:latin typeface="Helvetica" panose="020B0604020202020204" pitchFamily="34" charset="0"/>
+                <a:cs typeface="Helvetica" panose="020B0604020202020204" pitchFamily="34" charset="0"/>
+              </a:rPr>
+              <a:t>SFR:</a:t>
+            </a:r>
+          </a:p>
+          <a:p>
+            <a:pPr marL="285750" indent="-285750">
+              <a:buFont typeface="Arial" panose="020B0604020202020204" pitchFamily="34" charset="0"/>
+              <a:buChar char="•"/>
+            </a:pPr>
+            <a:r>
+              <a:rPr lang="en-US" dirty="0">
+                <a:latin typeface="Helvetica" panose="020B0604020202020204" pitchFamily="34" charset="0"/>
+                <a:cs typeface="Helvetica" panose="020B0604020202020204" pitchFamily="34" charset="0"/>
+              </a:rPr>
+              <a:t>Frequent diversion</a:t>
+            </a:r>
+          </a:p>
+          <a:p>
+            <a:pPr marL="285750" indent="-285750">
+              <a:buFont typeface="Arial" panose="020B0604020202020204" pitchFamily="34" charset="0"/>
+              <a:buChar char="•"/>
+            </a:pPr>
+            <a:r>
+              <a:rPr lang="en-US" dirty="0">
+                <a:latin typeface="Helvetica" panose="020B0604020202020204" pitchFamily="34" charset="0"/>
+                <a:cs typeface="Helvetica" panose="020B0604020202020204" pitchFamily="34" charset="0"/>
+              </a:rPr>
+              <a:t>Small quantities</a:t>
+            </a:r>
+          </a:p>
+          <a:p>
+            <a:pPr marL="285750" indent="-285750">
+              <a:buFont typeface="Arial" panose="020B0604020202020204" pitchFamily="34" charset="0"/>
+              <a:buChar char="•"/>
+            </a:pPr>
+            <a:endParaRPr lang="en-US" dirty="0">
+              <a:latin typeface="Helvetica" panose="020B0604020202020204" pitchFamily="34" charset="0"/>
+              <a:cs typeface="Helvetica" panose="020B0604020202020204" pitchFamily="34" charset="0"/>
+            </a:endParaRPr>
+          </a:p>
+        </p:txBody>
+      </p:sp>
+      <p:pic>
+        <p:nvPicPr>
+          <p:cNvPr id="5" name="Picture 4">
+            <a:extLst>
+              <a:ext uri="{FF2B5EF4-FFF2-40B4-BE49-F238E27FC236}">
+                <a16:creationId xmlns:a16="http://schemas.microsoft.com/office/drawing/2014/main" id="{B2069FF8-D9C7-4843-B6A2-FECAD36BB70C}"/>
+              </a:ext>
+            </a:extLst>
+          </p:cNvPr>
+          <p:cNvPicPr>
+            <a:picLocks noChangeAspect="1"/>
+          </p:cNvPicPr>
+          <p:nvPr/>
+        </p:nvPicPr>
+        <p:blipFill>
+          <a:blip r:embed="rId3"/>
+          <a:stretch>
+            <a:fillRect/>
+          </a:stretch>
+        </p:blipFill>
+        <p:spPr>
+          <a:xfrm>
+            <a:off x="2876095" y="1417637"/>
+            <a:ext cx="5482598" cy="3918155"/>
+          </a:xfrm>
+          <a:prstGeom prst="rect">
+            <a:avLst/>
+          </a:prstGeom>
+        </p:spPr>
+      </p:pic>
+      <p:cxnSp>
+        <p:nvCxnSpPr>
+          <p:cNvPr id="4" name="Straight Arrow Connector 3">
+            <a:extLst>
+              <a:ext uri="{FF2B5EF4-FFF2-40B4-BE49-F238E27FC236}">
+                <a16:creationId xmlns:a16="http://schemas.microsoft.com/office/drawing/2014/main" id="{1C19CA89-1537-4BF0-9FDA-BF55359B9452}"/>
+              </a:ext>
+            </a:extLst>
+          </p:cNvPr>
+          <p:cNvCxnSpPr>
+            <a:cxnSpLocks/>
+          </p:cNvCxnSpPr>
+          <p:nvPr/>
+        </p:nvCxnSpPr>
+        <p:spPr>
+          <a:xfrm flipV="1">
+            <a:off x="6443831" y="4873215"/>
+            <a:ext cx="0" cy="462577"/>
+          </a:xfrm>
+          <a:prstGeom prst="straightConnector1">
+            <a:avLst/>
+          </a:prstGeom>
+          <a:ln>
+            <a:solidFill>
+              <a:schemeClr val="tx2"/>
+            </a:solidFill>
+            <a:tailEnd type="triangle"/>
+          </a:ln>
+        </p:spPr>
+        <p:style>
+          <a:lnRef idx="2">
+            <a:schemeClr val="accent1"/>
+          </a:lnRef>
+          <a:fillRef idx="0">
+            <a:schemeClr val="accent1"/>
+          </a:fillRef>
+          <a:effectRef idx="1">
+            <a:schemeClr val="accent1"/>
+          </a:effectRef>
+          <a:fontRef idx="minor">
+            <a:schemeClr val="tx1"/>
+          </a:fontRef>
+        </p:style>
+      </p:cxnSp>
+      <p:cxnSp>
+        <p:nvCxnSpPr>
+          <p:cNvPr id="10" name="Straight Arrow Connector 9">
+            <a:extLst>
+              <a:ext uri="{FF2B5EF4-FFF2-40B4-BE49-F238E27FC236}">
+                <a16:creationId xmlns:a16="http://schemas.microsoft.com/office/drawing/2014/main" id="{9DF7574E-AA72-4F01-A195-DB8FB07154CC}"/>
+              </a:ext>
+            </a:extLst>
+          </p:cNvPr>
+          <p:cNvCxnSpPr>
+            <a:cxnSpLocks/>
+          </p:cNvCxnSpPr>
+          <p:nvPr/>
+        </p:nvCxnSpPr>
+        <p:spPr>
+          <a:xfrm flipV="1">
+            <a:off x="3949850" y="4873215"/>
+            <a:ext cx="0" cy="462577"/>
+          </a:xfrm>
+          <a:prstGeom prst="straightConnector1">
+            <a:avLst/>
+          </a:prstGeom>
+          <a:ln>
+            <a:solidFill>
+              <a:schemeClr val="tx2"/>
+            </a:solidFill>
+            <a:tailEnd type="triangle"/>
+          </a:ln>
+        </p:spPr>
+        <p:style>
+          <a:lnRef idx="2">
+            <a:schemeClr val="accent1"/>
+          </a:lnRef>
+          <a:fillRef idx="0">
+            <a:schemeClr val="accent1"/>
+          </a:fillRef>
+          <a:effectRef idx="1">
+            <a:schemeClr val="accent1"/>
+          </a:effectRef>
+          <a:fontRef idx="minor">
+            <a:schemeClr val="tx1"/>
+          </a:fontRef>
+        </p:style>
+      </p:cxnSp>
+      <p:sp>
+        <p:nvSpPr>
+          <p:cNvPr id="11" name="TextBox 10">
+            <a:extLst>
+              <a:ext uri="{FF2B5EF4-FFF2-40B4-BE49-F238E27FC236}">
+                <a16:creationId xmlns:a16="http://schemas.microsoft.com/office/drawing/2014/main" id="{0AA6FB13-8B71-4A13-90A5-81A0894FB917}"/>
+              </a:ext>
+            </a:extLst>
+          </p:cNvPr>
+          <p:cNvSpPr txBox="1"/>
+          <p:nvPr/>
+        </p:nvSpPr>
+        <p:spPr>
+          <a:xfrm>
+            <a:off x="3603812" y="5335792"/>
+            <a:ext cx="968178" cy="646331"/>
+          </a:xfrm>
+          <a:prstGeom prst="rect">
+            <a:avLst/>
+          </a:prstGeom>
+          <a:noFill/>
+        </p:spPr>
+        <p:txBody>
+          <a:bodyPr wrap="square" rtlCol="0">
+            <a:spAutoFit/>
+          </a:bodyPr>
+          <a:lstStyle/>
+          <a:p>
+            <a:r>
+              <a:rPr lang="en-US" dirty="0">
+                <a:latin typeface="Helvetica" panose="020B0604020202020204" pitchFamily="34" charset="0"/>
+                <a:cs typeface="Helvetica" panose="020B0604020202020204" pitchFamily="34" charset="0"/>
+              </a:rPr>
+              <a:t>LWR</a:t>
+            </a:r>
+          </a:p>
+          <a:p>
+            <a:r>
+              <a:rPr lang="en-US" dirty="0">
+                <a:latin typeface="Helvetica" panose="020B0604020202020204" pitchFamily="34" charset="0"/>
+                <a:cs typeface="Helvetica" panose="020B0604020202020204" pitchFamily="34" charset="0"/>
+              </a:rPr>
+              <a:t>Divert</a:t>
+            </a:r>
+          </a:p>
+        </p:txBody>
+      </p:sp>
+      <p:sp>
+        <p:nvSpPr>
+          <p:cNvPr id="12" name="TextBox 11">
+            <a:extLst>
+              <a:ext uri="{FF2B5EF4-FFF2-40B4-BE49-F238E27FC236}">
+                <a16:creationId xmlns:a16="http://schemas.microsoft.com/office/drawing/2014/main" id="{407C5088-D2A4-4F1D-8ADD-4AA0682E7497}"/>
+              </a:ext>
+            </a:extLst>
+          </p:cNvPr>
+          <p:cNvSpPr txBox="1"/>
+          <p:nvPr/>
+        </p:nvSpPr>
+        <p:spPr>
+          <a:xfrm>
+            <a:off x="6098907" y="5325116"/>
+            <a:ext cx="968178" cy="646331"/>
+          </a:xfrm>
+          <a:prstGeom prst="rect">
+            <a:avLst/>
+          </a:prstGeom>
+          <a:noFill/>
+        </p:spPr>
+        <p:txBody>
+          <a:bodyPr wrap="square" rtlCol="0">
+            <a:spAutoFit/>
+          </a:bodyPr>
+          <a:lstStyle/>
+          <a:p>
+            <a:r>
+              <a:rPr lang="en-US" dirty="0">
+                <a:latin typeface="Helvetica" panose="020B0604020202020204" pitchFamily="34" charset="0"/>
+                <a:cs typeface="Helvetica" panose="020B0604020202020204" pitchFamily="34" charset="0"/>
+              </a:rPr>
+              <a:t>SFR</a:t>
+            </a:r>
+          </a:p>
+          <a:p>
+            <a:r>
+              <a:rPr lang="en-US" dirty="0">
+                <a:latin typeface="Helvetica" panose="020B0604020202020204" pitchFamily="34" charset="0"/>
+                <a:cs typeface="Helvetica" panose="020B0604020202020204" pitchFamily="34" charset="0"/>
+              </a:rPr>
+              <a:t>Divert</a:t>
+            </a:r>
+          </a:p>
+        </p:txBody>
+      </p:sp>
+    </p:spTree>
+    <p:extLst>
+      <p:ext uri="{BB962C8B-B14F-4D97-AF65-F5344CB8AC3E}">
+        <p14:creationId xmlns:p14="http://schemas.microsoft.com/office/powerpoint/2010/main" val="4012733445"/>
       </p:ext>
     </p:extLst>
   </p:cSld>
@@ -4907,7 +5339,7 @@
         <p:spPr>
           <a:xfrm>
             <a:off x="591671" y="1538344"/>
-            <a:ext cx="7412018" cy="3693319"/>
+            <a:ext cx="7412018" cy="2585323"/>
           </a:xfrm>
           <a:prstGeom prst="rect">
             <a:avLst/>
@@ -4964,33 +5396,6 @@
               <a:buFont typeface="Arial" panose="020B0604020202020204" pitchFamily="34" charset="0"/>
               <a:buChar char="•"/>
             </a:pPr>
-            <a:r>
-              <a:rPr lang="en-US" dirty="0">
-                <a:latin typeface="Helvetica" panose="020B0604020202020204" pitchFamily="34" charset="0"/>
-                <a:cs typeface="Helvetica" panose="020B0604020202020204" pitchFamily="34" charset="0"/>
-              </a:rPr>
-              <a:t>Initial results were demonstrated using the experimental </a:t>
-            </a:r>
-            <a:r>
-              <a:rPr lang="en-US" dirty="0" err="1">
-                <a:latin typeface="Helvetica" panose="020B0604020202020204" pitchFamily="34" charset="0"/>
-                <a:cs typeface="Helvetica" panose="020B0604020202020204" pitchFamily="34" charset="0"/>
-              </a:rPr>
-              <a:t>PyRe</a:t>
-            </a:r>
-            <a:r>
-              <a:rPr lang="en-US" dirty="0">
-                <a:latin typeface="Helvetica" panose="020B0604020202020204" pitchFamily="34" charset="0"/>
-                <a:cs typeface="Helvetica" panose="020B0604020202020204" pitchFamily="34" charset="0"/>
-              </a:rPr>
-              <a:t> archetype</a:t>
-            </a:r>
-          </a:p>
-          <a:p>
-            <a:pPr marL="742950" lvl="1" indent="-285750">
-              <a:buFont typeface="Arial" panose="020B0604020202020204" pitchFamily="34" charset="0"/>
-              <a:buChar char="•"/>
-            </a:pPr>
             <a:endParaRPr lang="en-US" dirty="0">
               <a:latin typeface="Helvetica" panose="020B0604020202020204" pitchFamily="34" charset="0"/>
               <a:cs typeface="Helvetica" panose="020B0604020202020204" pitchFamily="34" charset="0"/>
@@ -5027,19 +5432,6 @@
                 <a:cs typeface="Helvetica" panose="020B0604020202020204" pitchFamily="34" charset="0"/>
               </a:rPr>
               <a:t>Capable of handling nefarious and operator diversion</a:t>
-            </a:r>
-          </a:p>
-          <a:p>
-            <a:pPr marL="742950" lvl="1" indent="-285750">
-              <a:buFont typeface="Arial" panose="020B0604020202020204" pitchFamily="34" charset="0"/>
-              <a:buChar char="•"/>
-            </a:pPr>
-            <a:r>
-              <a:rPr lang="en-US" dirty="0">
-                <a:latin typeface="Helvetica" panose="020B0604020202020204" pitchFamily="34" charset="0"/>
-                <a:cs typeface="Helvetica" panose="020B0604020202020204" pitchFamily="34" charset="0"/>
-              </a:rPr>
-              <a:t>Ability to handle independent waste streams for analysis/diversion</a:t>
             </a:r>
           </a:p>
           <a:p>
@@ -5234,7 +5626,7 @@
         <p:spPr>
           <a:xfrm>
             <a:off x="527125" y="1667435"/>
-            <a:ext cx="7304442" cy="2585323"/>
+            <a:ext cx="7304442" cy="2308324"/>
           </a:xfrm>
           <a:prstGeom prst="rect">
             <a:avLst/>
@@ -5272,19 +5664,6 @@
                 <a:cs typeface="Helvetica" panose="020B0604020202020204" pitchFamily="34" charset="0"/>
               </a:rPr>
               <a:t>Finish CUSUM method for multiple parameters	</a:t>
-            </a:r>
-          </a:p>
-          <a:p>
-            <a:pPr marL="742950" lvl="1" indent="-285750">
-              <a:buFont typeface="Arial" panose="020B0604020202020204" pitchFamily="34" charset="0"/>
-              <a:buChar char="•"/>
-            </a:pPr>
-            <a:r>
-              <a:rPr lang="en-US" dirty="0">
-                <a:latin typeface="Helvetica" panose="020B0604020202020204" pitchFamily="34" charset="0"/>
-                <a:cs typeface="Helvetica" panose="020B0604020202020204" pitchFamily="34" charset="0"/>
-              </a:rPr>
-              <a:t>Run a verification scenario</a:t>
             </a:r>
           </a:p>
           <a:p>
@@ -5425,6 +5804,231 @@
         </p:nvSpPr>
         <p:spPr>
           <a:xfrm>
+            <a:off x="381000" y="685800"/>
+            <a:ext cx="7045036" cy="731838"/>
+          </a:xfrm>
+        </p:spPr>
+        <p:txBody>
+          <a:bodyPr/>
+          <a:lstStyle/>
+          <a:p>
+            <a:pPr algn="l"/>
+            <a:r>
+              <a:rPr lang="en-US" sz="3200" b="1" dirty="0">
+                <a:solidFill>
+                  <a:srgbClr val="13294B"/>
+                </a:solidFill>
+                <a:latin typeface="Helvetica" pitchFamily="2" charset="0"/>
+              </a:rPr>
+              <a:t>Acknowledgements</a:t>
+            </a:r>
+            <a:endParaRPr lang="en-US" sz="3200" dirty="0">
+              <a:solidFill>
+                <a:srgbClr val="13294B"/>
+              </a:solidFill>
+              <a:latin typeface="Helvetica" pitchFamily="2" charset="0"/>
+            </a:endParaRPr>
+          </a:p>
+        </p:txBody>
+      </p:sp>
+      <p:sp>
+        <p:nvSpPr>
+          <p:cNvPr id="8" name="TextBox 7">
+            <a:extLst>
+              <a:ext uri="{FF2B5EF4-FFF2-40B4-BE49-F238E27FC236}">
+                <a16:creationId xmlns:a16="http://schemas.microsoft.com/office/drawing/2014/main" id="{BB61DE4D-D6A8-354B-85CE-40952730020D}"/>
+              </a:ext>
+            </a:extLst>
+          </p:cNvPr>
+          <p:cNvSpPr txBox="1"/>
+          <p:nvPr/>
+        </p:nvSpPr>
+        <p:spPr>
+          <a:xfrm>
+            <a:off x="381000" y="347246"/>
+            <a:ext cx="1855763" cy="338554"/>
+          </a:xfrm>
+          <a:prstGeom prst="rect">
+            <a:avLst/>
+          </a:prstGeom>
+          <a:noFill/>
+        </p:spPr>
+        <p:txBody>
+          <a:bodyPr wrap="square" rtlCol="0">
+            <a:spAutoFit/>
+          </a:bodyPr>
+          <a:lstStyle/>
+          <a:p>
+            <a:endParaRPr lang="en-US" sz="1600" dirty="0">
+              <a:latin typeface="Helvetica" pitchFamily="2" charset="0"/>
+            </a:endParaRPr>
+          </a:p>
+        </p:txBody>
+      </p:sp>
+      <p:sp>
+        <p:nvSpPr>
+          <p:cNvPr id="9" name="Content Placeholder 2">
+            <a:extLst>
+              <a:ext uri="{FF2B5EF4-FFF2-40B4-BE49-F238E27FC236}">
+                <a16:creationId xmlns:a16="http://schemas.microsoft.com/office/drawing/2014/main" id="{4D125D08-68CA-FA48-98C2-E14CCDFFF197}"/>
+              </a:ext>
+            </a:extLst>
+          </p:cNvPr>
+          <p:cNvSpPr>
+            <a:spLocks noGrp="1"/>
+          </p:cNvSpPr>
+          <p:nvPr>
+            <p:ph idx="1"/>
+          </p:nvPr>
+        </p:nvSpPr>
+        <p:spPr>
+          <a:xfrm>
+            <a:off x="381000" y="1309500"/>
+            <a:ext cx="7045036" cy="4338781"/>
+          </a:xfrm>
+        </p:spPr>
+        <p:txBody>
+          <a:bodyPr/>
+          <a:lstStyle/>
+          <a:p>
+            <a:pPr>
+              <a:buFont typeface="Wingdings" pitchFamily="2" charset="2"/>
+              <a:buChar char="v"/>
+            </a:pPr>
+            <a:endParaRPr lang="en-US" sz="2000" dirty="0">
+              <a:latin typeface="Helvetica" pitchFamily="2" charset="0"/>
+            </a:endParaRPr>
+          </a:p>
+          <a:p>
+            <a:pPr>
+              <a:buFont typeface="Wingdings" pitchFamily="2" charset="2"/>
+              <a:buChar char="v"/>
+            </a:pPr>
+            <a:endParaRPr lang="en-US" sz="2000" dirty="0">
+              <a:latin typeface="Helvetica" pitchFamily="2" charset="0"/>
+            </a:endParaRPr>
+          </a:p>
+          <a:p>
+            <a:pPr>
+              <a:buFont typeface="Wingdings" pitchFamily="2" charset="2"/>
+              <a:buChar char="v"/>
+            </a:pPr>
+            <a:endParaRPr lang="en-US" sz="2000" dirty="0">
+              <a:latin typeface="Helvetica" pitchFamily="2" charset="0"/>
+            </a:endParaRPr>
+          </a:p>
+        </p:txBody>
+      </p:sp>
+      <p:sp>
+        <p:nvSpPr>
+          <p:cNvPr id="2" name="TextBox 1">
+            <a:extLst>
+              <a:ext uri="{FF2B5EF4-FFF2-40B4-BE49-F238E27FC236}">
+                <a16:creationId xmlns:a16="http://schemas.microsoft.com/office/drawing/2014/main" id="{640608A8-6CDB-4815-AD86-812D75D25C9D}"/>
+              </a:ext>
+            </a:extLst>
+          </p:cNvPr>
+          <p:cNvSpPr txBox="1"/>
+          <p:nvPr/>
+        </p:nvSpPr>
+        <p:spPr>
+          <a:xfrm>
+            <a:off x="527125" y="1667435"/>
+            <a:ext cx="7304442" cy="1200329"/>
+          </a:xfrm>
+          <a:prstGeom prst="rect">
+            <a:avLst/>
+          </a:prstGeom>
+          <a:noFill/>
+        </p:spPr>
+        <p:txBody>
+          <a:bodyPr wrap="square" rtlCol="0">
+            <a:spAutoFit/>
+          </a:bodyPr>
+          <a:lstStyle/>
+          <a:p>
+            <a:r>
+              <a:rPr lang="en-US" dirty="0">
+                <a:latin typeface="Helvetica" panose="020B0604020202020204" pitchFamily="34" charset="0"/>
+                <a:cs typeface="Helvetica" panose="020B0604020202020204" pitchFamily="34" charset="0"/>
+              </a:rPr>
+              <a:t>This material is based upon work supported by the Department of Energy National Nuclear Security Administration under Award Number(s) DE-NA0002576 through the Consortium for Nonproliferation Enabling Capabilities.</a:t>
+            </a:r>
+          </a:p>
+        </p:txBody>
+      </p:sp>
+      <p:pic>
+        <p:nvPicPr>
+          <p:cNvPr id="3" name="Picture 2">
+            <a:extLst>
+              <a:ext uri="{FF2B5EF4-FFF2-40B4-BE49-F238E27FC236}">
+                <a16:creationId xmlns:a16="http://schemas.microsoft.com/office/drawing/2014/main" id="{473B62A7-A10B-4886-A1E7-143AFF9CA519}"/>
+              </a:ext>
+            </a:extLst>
+          </p:cNvPr>
+          <p:cNvPicPr>
+            <a:picLocks noChangeAspect="1"/>
+          </p:cNvPicPr>
+          <p:nvPr/>
+        </p:nvPicPr>
+        <p:blipFill>
+          <a:blip r:embed="rId3"/>
+          <a:stretch>
+            <a:fillRect/>
+          </a:stretch>
+        </p:blipFill>
+        <p:spPr>
+          <a:xfrm>
+            <a:off x="583766" y="3124751"/>
+            <a:ext cx="7045036" cy="733425"/>
+          </a:xfrm>
+          <a:prstGeom prst="rect">
+            <a:avLst/>
+          </a:prstGeom>
+        </p:spPr>
+      </p:pic>
+    </p:spTree>
+    <p:extLst>
+      <p:ext uri="{BB962C8B-B14F-4D97-AF65-F5344CB8AC3E}">
+        <p14:creationId xmlns:p14="http://schemas.microsoft.com/office/powerpoint/2010/main" val="2813580515"/>
+      </p:ext>
+    </p:extLst>
+  </p:cSld>
+  <p:clrMapOvr>
+    <a:masterClrMapping/>
+  </p:clrMapOvr>
+</p:sld>
+</file>
+
+<file path=ppt/slides/slide17.xml><?xml version="1.0" encoding="utf-8"?>
+<p:sld xmlns:a="http://schemas.openxmlformats.org/drawingml/2006/main" xmlns:r="http://schemas.openxmlformats.org/officeDocument/2006/relationships" xmlns:p="http://schemas.openxmlformats.org/presentationml/2006/main">
+  <p:cSld>
+    <p:spTree>
+      <p:nvGrpSpPr>
+        <p:cNvPr id="1" name=""/>
+        <p:cNvGrpSpPr/>
+        <p:nvPr/>
+      </p:nvGrpSpPr>
+      <p:grpSpPr>
+        <a:xfrm>
+          <a:off x="0" y="0"/>
+          <a:ext cx="0" cy="0"/>
+          <a:chOff x="0" y="0"/>
+          <a:chExt cx="0" cy="0"/>
+        </a:xfrm>
+      </p:grpSpPr>
+      <p:sp>
+        <p:nvSpPr>
+          <p:cNvPr id="6" name="Title 1"/>
+          <p:cNvSpPr>
+            <a:spLocks noGrp="1"/>
+          </p:cNvSpPr>
+          <p:nvPr>
+            <p:ph type="title"/>
+          </p:nvPr>
+        </p:nvSpPr>
+        <p:spPr>
+          <a:xfrm>
             <a:off x="381000" y="604157"/>
             <a:ext cx="7045036" cy="813480"/>
           </a:xfrm>
@@ -5598,7 +6202,7 @@
 </p:sld>
 </file>
 
-<file path=ppt/slides/slide17.xml><?xml version="1.0" encoding="utf-8"?>
+<file path=ppt/slides/slide18.xml><?xml version="1.0" encoding="utf-8"?>
 <p:sld xmlns:a="http://schemas.openxmlformats.org/drawingml/2006/main" xmlns:r="http://schemas.openxmlformats.org/officeDocument/2006/relationships" xmlns:p="http://schemas.openxmlformats.org/presentationml/2006/main">
   <p:cSld>
     <p:spTree>
@@ -5816,7 +6420,7 @@
               <a:rPr lang="en-US" sz="1800" dirty="0">
                 <a:latin typeface="Helvetica" pitchFamily="2" charset="0"/>
               </a:rPr>
-              <a:t>		 Inter-facility Diversion</a:t>
+              <a:t>		 Inter-facility diversion</a:t>
             </a:r>
           </a:p>
           <a:p>
@@ -5846,8 +6450,23 @@
               <a:rPr lang="en-US" sz="2000" dirty="0">
                 <a:latin typeface="Helvetica" pitchFamily="2" charset="0"/>
               </a:rPr>
+              <a:t>Diverter</a:t>
+            </a:r>
+          </a:p>
+          <a:p>
+            <a:pPr marL="514350" indent="-514350">
+              <a:buFont typeface="+mj-lt"/>
+              <a:buAutoNum type="arabicParenR"/>
+            </a:pPr>
+            <a:r>
+              <a:rPr lang="en-US" sz="2000" dirty="0">
+                <a:latin typeface="Helvetica" pitchFamily="2" charset="0"/>
+              </a:rPr>
               <a:t>Demonstrations</a:t>
             </a:r>
+            <a:endParaRPr lang="en-US" sz="1600" dirty="0">
+              <a:latin typeface="Helvetica" pitchFamily="2" charset="0"/>
+            </a:endParaRPr>
           </a:p>
           <a:p>
             <a:pPr marL="400050" lvl="1" indent="0">
@@ -5857,18 +6476,7 @@
               <a:rPr lang="en-US" sz="1600" dirty="0">
                 <a:latin typeface="Helvetica" pitchFamily="2" charset="0"/>
               </a:rPr>
-              <a:t>		Diversion</a:t>
-            </a:r>
-          </a:p>
-          <a:p>
-            <a:pPr marL="400050" lvl="1" indent="0">
-              <a:buNone/>
-            </a:pPr>
-            <a:r>
-              <a:rPr lang="en-US" sz="1600" dirty="0">
-                <a:latin typeface="Helvetica" pitchFamily="2" charset="0"/>
-              </a:rPr>
-              <a:t>		Transition Scenarios</a:t>
+              <a:t>		Transition Scenario</a:t>
             </a:r>
           </a:p>
           <a:p>
@@ -6013,7 +6621,7 @@
                 <a:latin typeface="Helvetica" panose="020B0604020202020204" pitchFamily="34" charset="0"/>
                 <a:cs typeface="Helvetica" panose="020B0604020202020204" pitchFamily="34" charset="0"/>
               </a:rPr>
-              <a:t>Model Diversion inside facilities</a:t>
+              <a:t>Model diversion inside facilities</a:t>
             </a:r>
           </a:p>
           <a:p>
@@ -6032,7 +6640,7 @@
                 <a:latin typeface="Helvetica" panose="020B0604020202020204" pitchFamily="34" charset="0"/>
                 <a:cs typeface="Helvetica" panose="020B0604020202020204" pitchFamily="34" charset="0"/>
               </a:rPr>
-              <a:t>Timely detection of diversion relies on the identification of signatures and observables for unique facilities. </a:t>
+              <a:t>Detect diversion using signatures and observables</a:t>
             </a:r>
           </a:p>
           <a:p>
@@ -6042,7 +6650,7 @@
                 <a:latin typeface="Helvetica" panose="020B0604020202020204" pitchFamily="34" charset="0"/>
                 <a:cs typeface="Helvetica" panose="020B0604020202020204" pitchFamily="34" charset="0"/>
               </a:rPr>
-              <a:t>Determine optimum detector and inspection locations in </a:t>
+              <a:t>Optimum detector and inspection locations in </a:t>
             </a:r>
             <a:r>
               <a:rPr lang="en-US" sz="1600" dirty="0" err="1">
@@ -6050,44 +6658,6 @@
                 <a:cs typeface="Helvetica" panose="020B0604020202020204" pitchFamily="34" charset="0"/>
               </a:rPr>
               <a:t>pyroprocessing</a:t>
-            </a:r>
-            <a:r>
-              <a:rPr lang="en-US" sz="1600" dirty="0">
-                <a:latin typeface="Helvetica" panose="020B0604020202020204" pitchFamily="34" charset="0"/>
-                <a:cs typeface="Helvetica" panose="020B0604020202020204" pitchFamily="34" charset="0"/>
-              </a:rPr>
-              <a:t> facilities using the </a:t>
-            </a:r>
-            <a:r>
-              <a:rPr lang="en-US" sz="1600" dirty="0" err="1">
-                <a:latin typeface="Helvetica" panose="020B0604020202020204" pitchFamily="34" charset="0"/>
-                <a:cs typeface="Helvetica" panose="020B0604020202020204" pitchFamily="34" charset="0"/>
-              </a:rPr>
-              <a:t>Cyclus</a:t>
-            </a:r>
-            <a:r>
-              <a:rPr lang="en-US" sz="1600" dirty="0">
-                <a:latin typeface="Helvetica" panose="020B0604020202020204" pitchFamily="34" charset="0"/>
-                <a:cs typeface="Helvetica" panose="020B0604020202020204" pitchFamily="34" charset="0"/>
-              </a:rPr>
-              <a:t> framework.</a:t>
-            </a:r>
-          </a:p>
-          <a:p>
-            <a:pPr lvl="1"/>
-            <a:r>
-              <a:rPr lang="en-US" sz="1600" dirty="0">
-                <a:latin typeface="Helvetica" panose="020B0604020202020204" pitchFamily="34" charset="0"/>
-                <a:cs typeface="Helvetica" panose="020B0604020202020204" pitchFamily="34" charset="0"/>
-              </a:rPr>
-              <a:t>Adapt this work to be applicable to a wide range of nuclear fuel cycle facilities in </a:t>
-            </a:r>
-            <a:r>
-              <a:rPr lang="en-US" sz="1600" dirty="0" err="1">
-                <a:latin typeface="Helvetica" panose="020B0604020202020204" pitchFamily="34" charset="0"/>
-                <a:cs typeface="Helvetica" panose="020B0604020202020204" pitchFamily="34" charset="0"/>
-              </a:rPr>
-              <a:t>Cyclus</a:t>
             </a:r>
             <a:endParaRPr lang="en-US" sz="1600" dirty="0">
               <a:latin typeface="Helvetica" panose="020B0604020202020204" pitchFamily="34" charset="0"/>
@@ -6101,7 +6671,28 @@
                 <a:latin typeface="Helvetica" panose="020B0604020202020204" pitchFamily="34" charset="0"/>
                 <a:cs typeface="Helvetica" panose="020B0604020202020204" pitchFamily="34" charset="0"/>
               </a:rPr>
-              <a:t>Characterize required detection sensitivities and corresponding false positive rates.</a:t>
+              <a:t>Expand to the rest of </a:t>
+            </a:r>
+            <a:r>
+              <a:rPr lang="en-US" sz="1600" dirty="0" err="1">
+                <a:latin typeface="Helvetica" panose="020B0604020202020204" pitchFamily="34" charset="0"/>
+                <a:cs typeface="Helvetica" panose="020B0604020202020204" pitchFamily="34" charset="0"/>
+              </a:rPr>
+              <a:t>Cyclus</a:t>
+            </a:r>
+            <a:endParaRPr lang="en-US" sz="1600" dirty="0">
+              <a:latin typeface="Helvetica" panose="020B0604020202020204" pitchFamily="34" charset="0"/>
+              <a:cs typeface="Helvetica" panose="020B0604020202020204" pitchFamily="34" charset="0"/>
+            </a:endParaRPr>
+          </a:p>
+          <a:p>
+            <a:pPr lvl="1"/>
+            <a:r>
+              <a:rPr lang="en-US" sz="1600" dirty="0">
+                <a:latin typeface="Helvetica" panose="020B0604020202020204" pitchFamily="34" charset="0"/>
+                <a:cs typeface="Helvetica" panose="020B0604020202020204" pitchFamily="34" charset="0"/>
+              </a:rPr>
+              <a:t>Characterize detection sensitivities and false positive rates.</a:t>
             </a:r>
           </a:p>
         </p:txBody>
@@ -6259,7 +6850,7 @@
                 <a:latin typeface="Helvetica" panose="020B0604020202020204" pitchFamily="34" charset="0"/>
                 <a:cs typeface="Helvetica" panose="020B0604020202020204" pitchFamily="34" charset="0"/>
               </a:rPr>
-              <a:t>Facility containing multiple sub-facilities resembling the sub-processes.</a:t>
+              <a:t>Facility containing multiple sub-processes:</a:t>
             </a:r>
           </a:p>
           <a:p>
@@ -6269,7 +6860,7 @@
                 <a:latin typeface="Helvetica" panose="020B0604020202020204" pitchFamily="34" charset="0"/>
                 <a:cs typeface="Helvetica" panose="020B0604020202020204" pitchFamily="34" charset="0"/>
               </a:rPr>
-              <a:t>Allows subprocesses to be handled separately.</a:t>
+              <a:t>Separately handled</a:t>
             </a:r>
           </a:p>
           <a:p>
@@ -6288,7 +6879,7 @@
                 <a:latin typeface="Helvetica" panose="020B0604020202020204" pitchFamily="34" charset="0"/>
                 <a:cs typeface="Helvetica" panose="020B0604020202020204" pitchFamily="34" charset="0"/>
               </a:rPr>
-              <a:t>Parameters act as Capacity Factor to the ideal separation efficiency input</a:t>
+              <a:t>Operation settings impact efficiency</a:t>
             </a:r>
           </a:p>
           <a:p>
@@ -6297,17 +6888,37 @@
                 <a:latin typeface="Helvetica" panose="020B0604020202020204" pitchFamily="34" charset="0"/>
                 <a:cs typeface="Helvetica" panose="020B0604020202020204" pitchFamily="34" charset="0"/>
               </a:rPr>
-              <a:t>Generic facility allows for multiple types of pyro plants</a:t>
+              <a:t>Generic facility:</a:t>
+            </a:r>
+          </a:p>
+          <a:p>
+            <a:pPr lvl="1"/>
+            <a:r>
+              <a:rPr lang="en-US" sz="1400" dirty="0">
+                <a:latin typeface="Helvetica" panose="020B0604020202020204" pitchFamily="34" charset="0"/>
+                <a:cs typeface="Helvetica" panose="020B0604020202020204" pitchFamily="34" charset="0"/>
+              </a:rPr>
+              <a:t>Multiple types of pyro plants</a:t>
+            </a:r>
+          </a:p>
+          <a:p>
+            <a:pPr lvl="1"/>
+            <a:r>
+              <a:rPr lang="en-US" sz="1400" dirty="0">
+                <a:latin typeface="Helvetica" panose="020B0604020202020204" pitchFamily="34" charset="0"/>
+                <a:cs typeface="Helvetica" panose="020B0604020202020204" pitchFamily="34" charset="0"/>
+              </a:rPr>
+              <a:t>LWR vs SFR</a:t>
             </a:r>
           </a:p>
         </p:txBody>
       </p:sp>
       <p:graphicFrame>
         <p:nvGraphicFramePr>
-          <p:cNvPr id="5" name="Object 4">
+          <p:cNvPr id="2" name="Object 1">
             <a:extLst>
               <a:ext uri="{FF2B5EF4-FFF2-40B4-BE49-F238E27FC236}">
-                <a16:creationId xmlns:a16="http://schemas.microsoft.com/office/drawing/2014/main" id="{9DD85279-5CD8-4AB5-B690-A4A74C6BF845}"/>
+                <a16:creationId xmlns:a16="http://schemas.microsoft.com/office/drawing/2014/main" id="{308D79CE-2905-4AF3-97DD-4F564946EAFA}"/>
               </a:ext>
             </a:extLst>
           </p:cNvPr>
@@ -6317,25 +6928,25 @@
           <p:nvPr>
             <p:extLst>
               <p:ext uri="{D42A27DB-BD31-4B8C-83A1-F6EECF244321}">
-                <p14:modId xmlns:p14="http://schemas.microsoft.com/office/powerpoint/2010/main" val="2746131865"/>
+                <p14:modId xmlns:p14="http://schemas.microsoft.com/office/powerpoint/2010/main" val="1973796675"/>
               </p:ext>
             </p:extLst>
           </p:nvPr>
         </p:nvGraphicFramePr>
         <p:xfrm>
-          <a:off x="3614569" y="502247"/>
-          <a:ext cx="4684641" cy="5853505"/>
+          <a:off x="3270325" y="828340"/>
+          <a:ext cx="5018099" cy="5448430"/>
         </p:xfrm>
         <a:graphic>
           <a:graphicData uri="http://schemas.openxmlformats.org/presentationml/2006/ole">
             <mc:AlternateContent xmlns:mc="http://schemas.openxmlformats.org/markup-compatibility/2006">
               <mc:Choice xmlns:v="urn:schemas-microsoft-com:vml" Requires="v">
-                <p:oleObj spid="_x0000_s2060" name="Acrobat Document" r:id="rId4" imgW="3238252" imgH="4046079" progId="AcroExch.Document.DC">
+                <p:oleObj spid="_x0000_s2072" name="Acrobat Document" r:id="rId4" imgW="3276529" imgH="3558241" progId="AcroExch.Document.DC">
                   <p:embed/>
                 </p:oleObj>
               </mc:Choice>
               <mc:Fallback>
-                <p:oleObj name="Acrobat Document" r:id="rId4" imgW="3238252" imgH="4046079" progId="AcroExch.Document.DC">
+                <p:oleObj name="Acrobat Document" r:id="rId4" imgW="3276529" imgH="3558241" progId="AcroExch.Document.DC">
                   <p:embed/>
                   <p:pic>
                     <p:nvPicPr>
@@ -6351,8 +6962,8 @@
                     </p:blipFill>
                     <p:spPr>
                       <a:xfrm>
-                        <a:off x="3614569" y="502247"/>
-                        <a:ext cx="4684641" cy="5853505"/>
+                        <a:off x="3270325" y="828340"/>
+                        <a:ext cx="5018099" cy="5448430"/>
                       </a:xfrm>
                       <a:prstGeom prst="rect">
                         <a:avLst/>
@@ -6502,7 +7113,7 @@
         <p:spPr>
           <a:xfrm>
             <a:off x="559398" y="1645920"/>
-            <a:ext cx="7045036" cy="2585323"/>
+            <a:ext cx="7045036" cy="1754326"/>
           </a:xfrm>
           <a:prstGeom prst="rect">
             <a:avLst/>
@@ -6570,14 +7181,744 @@
               <a:t>        </a:t>
             </a:r>
           </a:p>
-          <a:p>
-            <a:pPr marL="285750" indent="-285750">
-              <a:buFont typeface="Arial" panose="020B0604020202020204" pitchFamily="34" charset="0"/>
-              <a:buChar char="•"/>
-            </a:pPr>
+        </p:txBody>
+      </p:sp>
+      <p:sp>
+        <p:nvSpPr>
+          <p:cNvPr id="3" name="Rectangle: Rounded Corners 2">
+            <a:extLst>
+              <a:ext uri="{FF2B5EF4-FFF2-40B4-BE49-F238E27FC236}">
+                <a16:creationId xmlns:a16="http://schemas.microsoft.com/office/drawing/2014/main" id="{2E01CC58-E795-4096-BB4B-7161DC213E48}"/>
+              </a:ext>
+            </a:extLst>
+          </p:cNvPr>
+          <p:cNvSpPr/>
+          <p:nvPr/>
+        </p:nvSpPr>
+        <p:spPr>
+          <a:xfrm>
+            <a:off x="559398" y="5026486"/>
+            <a:ext cx="1159043" cy="623944"/>
+          </a:xfrm>
+          <a:prstGeom prst="roundRect">
+            <a:avLst/>
+          </a:prstGeom>
+          <a:solidFill>
+            <a:schemeClr val="tx2">
+              <a:lumMod val="60000"/>
+              <a:lumOff val="40000"/>
+            </a:schemeClr>
+          </a:solidFill>
+        </p:spPr>
+        <p:style>
+          <a:lnRef idx="1">
+            <a:schemeClr val="accent1"/>
+          </a:lnRef>
+          <a:fillRef idx="3">
+            <a:schemeClr val="accent1"/>
+          </a:fillRef>
+          <a:effectRef idx="2">
+            <a:schemeClr val="accent1"/>
+          </a:effectRef>
+          <a:fontRef idx="minor">
+            <a:schemeClr val="lt1"/>
+          </a:fontRef>
+        </p:style>
+        <p:txBody>
+          <a:bodyPr rtlCol="0" anchor="ctr"/>
+          <a:lstStyle/>
+          <a:p>
+            <a:pPr algn="ctr"/>
+            <a:endParaRPr lang="en-US" dirty="0"/>
+          </a:p>
+        </p:txBody>
+      </p:sp>
+      <p:sp>
+        <p:nvSpPr>
+          <p:cNvPr id="7" name="Rectangle: Rounded Corners 6">
+            <a:extLst>
+              <a:ext uri="{FF2B5EF4-FFF2-40B4-BE49-F238E27FC236}">
+                <a16:creationId xmlns:a16="http://schemas.microsoft.com/office/drawing/2014/main" id="{2B1391C2-3B5C-488A-B43C-4011F0E8C986}"/>
+              </a:ext>
+            </a:extLst>
+          </p:cNvPr>
+          <p:cNvSpPr/>
+          <p:nvPr/>
+        </p:nvSpPr>
+        <p:spPr>
+          <a:xfrm>
+            <a:off x="2422264" y="3679115"/>
+            <a:ext cx="1280445" cy="623944"/>
+          </a:xfrm>
+          <a:prstGeom prst="roundRect">
+            <a:avLst/>
+          </a:prstGeom>
+          <a:solidFill>
+            <a:schemeClr val="bg1">
+              <a:lumMod val="85000"/>
+            </a:schemeClr>
+          </a:solidFill>
+        </p:spPr>
+        <p:style>
+          <a:lnRef idx="1">
+            <a:schemeClr val="accent1"/>
+          </a:lnRef>
+          <a:fillRef idx="3">
+            <a:schemeClr val="accent1"/>
+          </a:fillRef>
+          <a:effectRef idx="2">
+            <a:schemeClr val="accent1"/>
+          </a:effectRef>
+          <a:fontRef idx="minor">
+            <a:schemeClr val="lt1"/>
+          </a:fontRef>
+        </p:style>
+        <p:txBody>
+          <a:bodyPr rtlCol="0" anchor="ctr"/>
+          <a:lstStyle/>
+          <a:p>
+            <a:pPr algn="ctr"/>
+            <a:endParaRPr lang="en-US"/>
+          </a:p>
+        </p:txBody>
+      </p:sp>
+      <p:sp>
+        <p:nvSpPr>
+          <p:cNvPr id="9" name="Rectangle: Rounded Corners 8">
+            <a:extLst>
+              <a:ext uri="{FF2B5EF4-FFF2-40B4-BE49-F238E27FC236}">
+                <a16:creationId xmlns:a16="http://schemas.microsoft.com/office/drawing/2014/main" id="{0C058EB8-E363-4FD8-BFCD-DE82DA9E0B27}"/>
+              </a:ext>
+            </a:extLst>
+          </p:cNvPr>
+          <p:cNvSpPr/>
+          <p:nvPr/>
+        </p:nvSpPr>
+        <p:spPr>
+          <a:xfrm>
+            <a:off x="4336321" y="3679115"/>
+            <a:ext cx="1159043" cy="623944"/>
+          </a:xfrm>
+          <a:prstGeom prst="roundRect">
+            <a:avLst/>
+          </a:prstGeom>
+          <a:solidFill>
+            <a:schemeClr val="bg1">
+              <a:lumMod val="85000"/>
+            </a:schemeClr>
+          </a:solidFill>
+        </p:spPr>
+        <p:style>
+          <a:lnRef idx="1">
+            <a:schemeClr val="accent1"/>
+          </a:lnRef>
+          <a:fillRef idx="3">
+            <a:schemeClr val="accent1"/>
+          </a:fillRef>
+          <a:effectRef idx="2">
+            <a:schemeClr val="accent1"/>
+          </a:effectRef>
+          <a:fontRef idx="minor">
+            <a:schemeClr val="lt1"/>
+          </a:fontRef>
+        </p:style>
+        <p:txBody>
+          <a:bodyPr rtlCol="0" anchor="ctr"/>
+          <a:lstStyle/>
+          <a:p>
+            <a:pPr algn="ctr"/>
+            <a:endParaRPr lang="en-US"/>
+          </a:p>
+        </p:txBody>
+      </p:sp>
+      <p:cxnSp>
+        <p:nvCxnSpPr>
+          <p:cNvPr id="5" name="Straight Arrow Connector 4">
+            <a:extLst>
+              <a:ext uri="{FF2B5EF4-FFF2-40B4-BE49-F238E27FC236}">
+                <a16:creationId xmlns:a16="http://schemas.microsoft.com/office/drawing/2014/main" id="{10D8278B-1E10-4127-81DF-D8668B2BC242}"/>
+              </a:ext>
+            </a:extLst>
+          </p:cNvPr>
+          <p:cNvCxnSpPr/>
+          <p:nvPr/>
+        </p:nvCxnSpPr>
+        <p:spPr>
+          <a:xfrm>
+            <a:off x="1828800" y="5305312"/>
+            <a:ext cx="462579" cy="0"/>
+          </a:xfrm>
+          <a:prstGeom prst="straightConnector1">
+            <a:avLst/>
+          </a:prstGeom>
+          <a:ln>
+            <a:tailEnd type="triangle"/>
+          </a:ln>
+        </p:spPr>
+        <p:style>
+          <a:lnRef idx="2">
+            <a:schemeClr val="accent1"/>
+          </a:lnRef>
+          <a:fillRef idx="0">
+            <a:schemeClr val="accent1"/>
+          </a:fillRef>
+          <a:effectRef idx="1">
+            <a:schemeClr val="accent1"/>
+          </a:effectRef>
+          <a:fontRef idx="minor">
+            <a:schemeClr val="tx1"/>
+          </a:fontRef>
+        </p:style>
+      </p:cxnSp>
+      <p:cxnSp>
+        <p:nvCxnSpPr>
+          <p:cNvPr id="10" name="Straight Arrow Connector 9">
+            <a:extLst>
+              <a:ext uri="{FF2B5EF4-FFF2-40B4-BE49-F238E27FC236}">
+                <a16:creationId xmlns:a16="http://schemas.microsoft.com/office/drawing/2014/main" id="{E3E0315D-88E6-44AE-9177-C6F2FF810D89}"/>
+              </a:ext>
+            </a:extLst>
+          </p:cNvPr>
+          <p:cNvCxnSpPr/>
+          <p:nvPr/>
+        </p:nvCxnSpPr>
+        <p:spPr>
+          <a:xfrm>
+            <a:off x="3809196" y="3992880"/>
+            <a:ext cx="462579" cy="0"/>
+          </a:xfrm>
+          <a:prstGeom prst="straightConnector1">
+            <a:avLst/>
+          </a:prstGeom>
+          <a:ln>
+            <a:tailEnd type="triangle"/>
+          </a:ln>
+        </p:spPr>
+        <p:style>
+          <a:lnRef idx="2">
+            <a:schemeClr val="accent1"/>
+          </a:lnRef>
+          <a:fillRef idx="0">
+            <a:schemeClr val="accent1"/>
+          </a:fillRef>
+          <a:effectRef idx="1">
+            <a:schemeClr val="accent1"/>
+          </a:effectRef>
+          <a:fontRef idx="minor">
+            <a:schemeClr val="tx1"/>
+          </a:fontRef>
+        </p:style>
+      </p:cxnSp>
+      <p:cxnSp>
+        <p:nvCxnSpPr>
+          <p:cNvPr id="13" name="Straight Arrow Connector 12">
+            <a:extLst>
+              <a:ext uri="{FF2B5EF4-FFF2-40B4-BE49-F238E27FC236}">
+                <a16:creationId xmlns:a16="http://schemas.microsoft.com/office/drawing/2014/main" id="{1991753B-4462-478D-A88F-6A28163C2FDD}"/>
+              </a:ext>
+            </a:extLst>
+          </p:cNvPr>
+          <p:cNvCxnSpPr/>
+          <p:nvPr/>
+        </p:nvCxnSpPr>
+        <p:spPr>
+          <a:xfrm>
+            <a:off x="5628043" y="3992880"/>
+            <a:ext cx="462579" cy="0"/>
+          </a:xfrm>
+          <a:prstGeom prst="straightConnector1">
+            <a:avLst/>
+          </a:prstGeom>
+          <a:ln>
+            <a:tailEnd type="triangle"/>
+          </a:ln>
+        </p:spPr>
+        <p:style>
+          <a:lnRef idx="2">
+            <a:schemeClr val="accent1"/>
+          </a:lnRef>
+          <a:fillRef idx="0">
+            <a:schemeClr val="accent1"/>
+          </a:fillRef>
+          <a:effectRef idx="1">
+            <a:schemeClr val="accent1"/>
+          </a:effectRef>
+          <a:fontRef idx="minor">
+            <a:schemeClr val="tx1"/>
+          </a:fontRef>
+        </p:style>
+      </p:cxnSp>
+      <p:cxnSp>
+        <p:nvCxnSpPr>
+          <p:cNvPr id="15" name="Straight Arrow Connector 14">
+            <a:extLst>
+              <a:ext uri="{FF2B5EF4-FFF2-40B4-BE49-F238E27FC236}">
+                <a16:creationId xmlns:a16="http://schemas.microsoft.com/office/drawing/2014/main" id="{44156BF6-990D-46CF-8DD4-99B8B913A0B7}"/>
+              </a:ext>
+            </a:extLst>
+          </p:cNvPr>
+          <p:cNvCxnSpPr/>
+          <p:nvPr/>
+        </p:nvCxnSpPr>
+        <p:spPr>
+          <a:xfrm>
+            <a:off x="4948518" y="4485939"/>
+            <a:ext cx="495655" cy="430306"/>
+          </a:xfrm>
+          <a:prstGeom prst="straightConnector1">
+            <a:avLst/>
+          </a:prstGeom>
+          <a:ln>
+            <a:solidFill>
+              <a:schemeClr val="tx2"/>
+            </a:solidFill>
+            <a:tailEnd type="triangle"/>
+          </a:ln>
+        </p:spPr>
+        <p:style>
+          <a:lnRef idx="2">
+            <a:schemeClr val="accent1"/>
+          </a:lnRef>
+          <a:fillRef idx="0">
+            <a:schemeClr val="accent1"/>
+          </a:fillRef>
+          <a:effectRef idx="1">
+            <a:schemeClr val="accent1"/>
+          </a:effectRef>
+          <a:fontRef idx="minor">
+            <a:schemeClr val="tx1"/>
+          </a:fontRef>
+        </p:style>
+      </p:cxnSp>
+      <p:sp>
+        <p:nvSpPr>
+          <p:cNvPr id="17" name="Rectangle: Rounded Corners 16">
+            <a:extLst>
+              <a:ext uri="{FF2B5EF4-FFF2-40B4-BE49-F238E27FC236}">
+                <a16:creationId xmlns:a16="http://schemas.microsoft.com/office/drawing/2014/main" id="{016120CD-2EC4-4AD7-9201-EC4949854B05}"/>
+              </a:ext>
+            </a:extLst>
+          </p:cNvPr>
+          <p:cNvSpPr/>
+          <p:nvPr/>
+        </p:nvSpPr>
+        <p:spPr>
+          <a:xfrm>
+            <a:off x="5511100" y="5004099"/>
+            <a:ext cx="1159043" cy="623944"/>
+          </a:xfrm>
+          <a:prstGeom prst="roundRect">
+            <a:avLst/>
+          </a:prstGeom>
+          <a:solidFill>
+            <a:schemeClr val="accent2">
+              <a:lumMod val="60000"/>
+              <a:lumOff val="40000"/>
+            </a:schemeClr>
+          </a:solidFill>
+        </p:spPr>
+        <p:style>
+          <a:lnRef idx="1">
+            <a:schemeClr val="accent1"/>
+          </a:lnRef>
+          <a:fillRef idx="3">
+            <a:schemeClr val="accent1"/>
+          </a:fillRef>
+          <a:effectRef idx="2">
+            <a:schemeClr val="accent1"/>
+          </a:effectRef>
+          <a:fontRef idx="minor">
+            <a:schemeClr val="lt1"/>
+          </a:fontRef>
+        </p:style>
+        <p:txBody>
+          <a:bodyPr rtlCol="0" anchor="ctr"/>
+          <a:lstStyle/>
+          <a:p>
+            <a:pPr algn="ctr"/>
+            <a:endParaRPr lang="en-US"/>
+          </a:p>
+        </p:txBody>
+      </p:sp>
+      <p:sp>
+        <p:nvSpPr>
+          <p:cNvPr id="18" name="Rectangle: Rounded Corners 17">
+            <a:extLst>
+              <a:ext uri="{FF2B5EF4-FFF2-40B4-BE49-F238E27FC236}">
+                <a16:creationId xmlns:a16="http://schemas.microsoft.com/office/drawing/2014/main" id="{1737C148-2717-4105-AB43-FDE485DB7D42}"/>
+              </a:ext>
+            </a:extLst>
+          </p:cNvPr>
+          <p:cNvSpPr/>
+          <p:nvPr/>
+        </p:nvSpPr>
+        <p:spPr>
+          <a:xfrm>
+            <a:off x="6266993" y="3667921"/>
+            <a:ext cx="1159043" cy="623944"/>
+          </a:xfrm>
+          <a:prstGeom prst="roundRect">
+            <a:avLst/>
+          </a:prstGeom>
+          <a:solidFill>
+            <a:schemeClr val="bg1">
+              <a:lumMod val="85000"/>
+            </a:schemeClr>
+          </a:solidFill>
+        </p:spPr>
+        <p:style>
+          <a:lnRef idx="1">
+            <a:schemeClr val="accent1"/>
+          </a:lnRef>
+          <a:fillRef idx="3">
+            <a:schemeClr val="accent1"/>
+          </a:fillRef>
+          <a:effectRef idx="2">
+            <a:schemeClr val="accent1"/>
+          </a:effectRef>
+          <a:fontRef idx="minor">
+            <a:schemeClr val="lt1"/>
+          </a:fontRef>
+        </p:style>
+        <p:txBody>
+          <a:bodyPr rtlCol="0" anchor="ctr"/>
+          <a:lstStyle/>
+          <a:p>
+            <a:pPr algn="ctr"/>
+            <a:endParaRPr lang="en-US"/>
+          </a:p>
+        </p:txBody>
+      </p:sp>
+      <p:sp>
+        <p:nvSpPr>
+          <p:cNvPr id="19" name="TextBox 18">
+            <a:extLst>
+              <a:ext uri="{FF2B5EF4-FFF2-40B4-BE49-F238E27FC236}">
+                <a16:creationId xmlns:a16="http://schemas.microsoft.com/office/drawing/2014/main" id="{9A5C9749-85CC-4469-A9A8-A3564160A80D}"/>
+              </a:ext>
+            </a:extLst>
+          </p:cNvPr>
+          <p:cNvSpPr txBox="1"/>
+          <p:nvPr/>
+        </p:nvSpPr>
+        <p:spPr>
+          <a:xfrm>
+            <a:off x="5656297" y="5004099"/>
+            <a:ext cx="1275986" cy="646331"/>
+          </a:xfrm>
+          <a:prstGeom prst="rect">
+            <a:avLst/>
+          </a:prstGeom>
+          <a:noFill/>
+        </p:spPr>
+        <p:txBody>
+          <a:bodyPr wrap="square" rtlCol="0">
+            <a:spAutoFit/>
+          </a:bodyPr>
+          <a:lstStyle/>
+          <a:p>
             <a:r>
               <a:rPr lang="en-US" dirty="0"/>
-              <a:t>Either can be achieved by increasing plant throughput and siphoning off material excess for unsanctioned weapons production.</a:t>
+              <a:t>Divert</a:t>
+            </a:r>
+          </a:p>
+          <a:p>
+            <a:r>
+              <a:rPr lang="en-US" dirty="0"/>
+              <a:t>Excess</a:t>
+            </a:r>
+          </a:p>
+        </p:txBody>
+      </p:sp>
+      <p:sp>
+        <p:nvSpPr>
+          <p:cNvPr id="20" name="TextBox 19">
+            <a:extLst>
+              <a:ext uri="{FF2B5EF4-FFF2-40B4-BE49-F238E27FC236}">
+                <a16:creationId xmlns:a16="http://schemas.microsoft.com/office/drawing/2014/main" id="{934A6F03-2EC6-4994-A09E-EC9042FFAE18}"/>
+              </a:ext>
+            </a:extLst>
+          </p:cNvPr>
+          <p:cNvSpPr txBox="1"/>
+          <p:nvPr/>
+        </p:nvSpPr>
+        <p:spPr>
+          <a:xfrm>
+            <a:off x="6294290" y="3653602"/>
+            <a:ext cx="1275986" cy="646331"/>
+          </a:xfrm>
+          <a:prstGeom prst="rect">
+            <a:avLst/>
+          </a:prstGeom>
+          <a:noFill/>
+        </p:spPr>
+        <p:txBody>
+          <a:bodyPr wrap="square" rtlCol="0">
+            <a:spAutoFit/>
+          </a:bodyPr>
+          <a:lstStyle/>
+          <a:p>
+            <a:r>
+              <a:rPr lang="en-US" dirty="0"/>
+              <a:t>Normal</a:t>
+            </a:r>
+          </a:p>
+          <a:p>
+            <a:r>
+              <a:rPr lang="en-US" dirty="0"/>
+              <a:t>Shipment</a:t>
+            </a:r>
+          </a:p>
+        </p:txBody>
+      </p:sp>
+      <p:sp>
+        <p:nvSpPr>
+          <p:cNvPr id="21" name="TextBox 20">
+            <a:extLst>
+              <a:ext uri="{FF2B5EF4-FFF2-40B4-BE49-F238E27FC236}">
+                <a16:creationId xmlns:a16="http://schemas.microsoft.com/office/drawing/2014/main" id="{B141DCA7-4AB2-4F35-9E7E-B2ACE683DC34}"/>
+              </a:ext>
+            </a:extLst>
+          </p:cNvPr>
+          <p:cNvSpPr txBox="1"/>
+          <p:nvPr/>
+        </p:nvSpPr>
+        <p:spPr>
+          <a:xfrm>
+            <a:off x="2422264" y="3792101"/>
+            <a:ext cx="1407458" cy="369332"/>
+          </a:xfrm>
+          <a:prstGeom prst="rect">
+            <a:avLst/>
+          </a:prstGeom>
+          <a:noFill/>
+        </p:spPr>
+        <p:txBody>
+          <a:bodyPr wrap="square" rtlCol="0">
+            <a:spAutoFit/>
+          </a:bodyPr>
+          <a:lstStyle/>
+          <a:p>
+            <a:r>
+              <a:rPr lang="en-US" dirty="0"/>
+              <a:t>Reprocess</a:t>
+            </a:r>
+          </a:p>
+        </p:txBody>
+      </p:sp>
+      <p:sp>
+        <p:nvSpPr>
+          <p:cNvPr id="22" name="TextBox 21">
+            <a:extLst>
+              <a:ext uri="{FF2B5EF4-FFF2-40B4-BE49-F238E27FC236}">
+                <a16:creationId xmlns:a16="http://schemas.microsoft.com/office/drawing/2014/main" id="{BBFDFA3B-0B48-453D-9358-356E587205E0}"/>
+              </a:ext>
+            </a:extLst>
+          </p:cNvPr>
+          <p:cNvSpPr txBox="1"/>
+          <p:nvPr/>
+        </p:nvSpPr>
+        <p:spPr>
+          <a:xfrm>
+            <a:off x="4378949" y="3667921"/>
+            <a:ext cx="1073786" cy="646331"/>
+          </a:xfrm>
+          <a:prstGeom prst="rect">
+            <a:avLst/>
+          </a:prstGeom>
+          <a:noFill/>
+        </p:spPr>
+        <p:txBody>
+          <a:bodyPr wrap="square" rtlCol="0">
+            <a:spAutoFit/>
+          </a:bodyPr>
+          <a:lstStyle/>
+          <a:p>
+            <a:r>
+              <a:rPr lang="en-US" dirty="0"/>
+              <a:t>Trade</a:t>
+            </a:r>
+          </a:p>
+          <a:p>
+            <a:r>
+              <a:rPr lang="en-US" dirty="0"/>
+              <a:t>Material</a:t>
+            </a:r>
+          </a:p>
+        </p:txBody>
+      </p:sp>
+      <p:sp>
+        <p:nvSpPr>
+          <p:cNvPr id="23" name="TextBox 22">
+            <a:extLst>
+              <a:ext uri="{FF2B5EF4-FFF2-40B4-BE49-F238E27FC236}">
+                <a16:creationId xmlns:a16="http://schemas.microsoft.com/office/drawing/2014/main" id="{9BDAC951-5D15-48F2-B19F-E8EEE1692E02}"/>
+              </a:ext>
+            </a:extLst>
+          </p:cNvPr>
+          <p:cNvSpPr txBox="1"/>
+          <p:nvPr/>
+        </p:nvSpPr>
+        <p:spPr>
+          <a:xfrm>
+            <a:off x="583293" y="5026486"/>
+            <a:ext cx="1204856" cy="646331"/>
+          </a:xfrm>
+          <a:prstGeom prst="rect">
+            <a:avLst/>
+          </a:prstGeom>
+          <a:noFill/>
+        </p:spPr>
+        <p:txBody>
+          <a:bodyPr wrap="square" rtlCol="0">
+            <a:spAutoFit/>
+          </a:bodyPr>
+          <a:lstStyle/>
+          <a:p>
+            <a:r>
+              <a:rPr lang="en-US" dirty="0"/>
+              <a:t>Inside</a:t>
+            </a:r>
+          </a:p>
+          <a:p>
+            <a:r>
+              <a:rPr lang="en-US" dirty="0"/>
+              <a:t>Operator</a:t>
+            </a:r>
+          </a:p>
+        </p:txBody>
+      </p:sp>
+      <p:sp>
+        <p:nvSpPr>
+          <p:cNvPr id="24" name="Rectangle: Rounded Corners 23">
+            <a:extLst>
+              <a:ext uri="{FF2B5EF4-FFF2-40B4-BE49-F238E27FC236}">
+                <a16:creationId xmlns:a16="http://schemas.microsoft.com/office/drawing/2014/main" id="{C5DC857D-EF63-4F82-92C2-321644428704}"/>
+              </a:ext>
+            </a:extLst>
+          </p:cNvPr>
+          <p:cNvSpPr/>
+          <p:nvPr/>
+        </p:nvSpPr>
+        <p:spPr>
+          <a:xfrm>
+            <a:off x="2473858" y="5004099"/>
+            <a:ext cx="1159043" cy="623944"/>
+          </a:xfrm>
+          <a:prstGeom prst="roundRect">
+            <a:avLst/>
+          </a:prstGeom>
+          <a:solidFill>
+            <a:schemeClr val="accent2">
+              <a:lumMod val="60000"/>
+              <a:lumOff val="40000"/>
+            </a:schemeClr>
+          </a:solidFill>
+        </p:spPr>
+        <p:style>
+          <a:lnRef idx="1">
+            <a:schemeClr val="accent1"/>
+          </a:lnRef>
+          <a:fillRef idx="3">
+            <a:schemeClr val="accent1"/>
+          </a:fillRef>
+          <a:effectRef idx="2">
+            <a:schemeClr val="accent1"/>
+          </a:effectRef>
+          <a:fontRef idx="minor">
+            <a:schemeClr val="lt1"/>
+          </a:fontRef>
+        </p:style>
+        <p:txBody>
+          <a:bodyPr rtlCol="0" anchor="ctr"/>
+          <a:lstStyle/>
+          <a:p>
+            <a:pPr algn="ctr"/>
+            <a:endParaRPr lang="en-US"/>
+          </a:p>
+        </p:txBody>
+      </p:sp>
+      <p:cxnSp>
+        <p:nvCxnSpPr>
+          <p:cNvPr id="26" name="Straight Arrow Connector 25">
+            <a:extLst>
+              <a:ext uri="{FF2B5EF4-FFF2-40B4-BE49-F238E27FC236}">
+                <a16:creationId xmlns:a16="http://schemas.microsoft.com/office/drawing/2014/main" id="{3EBFD9C9-B75F-40FF-B655-75D083678377}"/>
+              </a:ext>
+            </a:extLst>
+          </p:cNvPr>
+          <p:cNvCxnSpPr>
+            <a:cxnSpLocks/>
+          </p:cNvCxnSpPr>
+          <p:nvPr/>
+        </p:nvCxnSpPr>
+        <p:spPr>
+          <a:xfrm flipV="1">
+            <a:off x="3046796" y="4410635"/>
+            <a:ext cx="0" cy="505610"/>
+          </a:xfrm>
+          <a:prstGeom prst="straightConnector1">
+            <a:avLst/>
+          </a:prstGeom>
+          <a:ln>
+            <a:solidFill>
+              <a:schemeClr val="tx2"/>
+            </a:solidFill>
+            <a:tailEnd type="triangle"/>
+          </a:ln>
+        </p:spPr>
+        <p:style>
+          <a:lnRef idx="2">
+            <a:schemeClr val="accent1"/>
+          </a:lnRef>
+          <a:fillRef idx="0">
+            <a:schemeClr val="accent1"/>
+          </a:fillRef>
+          <a:effectRef idx="1">
+            <a:schemeClr val="accent1"/>
+          </a:effectRef>
+          <a:fontRef idx="minor">
+            <a:schemeClr val="tx1"/>
+          </a:fontRef>
+        </p:style>
+      </p:cxnSp>
+      <p:sp>
+        <p:nvSpPr>
+          <p:cNvPr id="28" name="TextBox 27">
+            <a:extLst>
+              <a:ext uri="{FF2B5EF4-FFF2-40B4-BE49-F238E27FC236}">
+                <a16:creationId xmlns:a16="http://schemas.microsoft.com/office/drawing/2014/main" id="{ECC571BC-9D8F-47AE-8F4D-F699BE8E3520}"/>
+              </a:ext>
+            </a:extLst>
+          </p:cNvPr>
+          <p:cNvSpPr txBox="1"/>
+          <p:nvPr/>
+        </p:nvSpPr>
+        <p:spPr>
+          <a:xfrm>
+            <a:off x="2473858" y="5026486"/>
+            <a:ext cx="1355864" cy="646331"/>
+          </a:xfrm>
+          <a:prstGeom prst="rect">
+            <a:avLst/>
+          </a:prstGeom>
+          <a:noFill/>
+        </p:spPr>
+        <p:txBody>
+          <a:bodyPr wrap="square" rtlCol="0">
+            <a:spAutoFit/>
+          </a:bodyPr>
+          <a:lstStyle/>
+          <a:p>
+            <a:r>
+              <a:rPr lang="en-US" dirty="0"/>
+              <a:t>Increase</a:t>
+            </a:r>
+          </a:p>
+          <a:p>
+            <a:r>
+              <a:rPr lang="en-US" dirty="0"/>
+              <a:t>Operation</a:t>
             </a:r>
           </a:p>
         </p:txBody>
@@ -6640,7 +7981,7 @@
                 </a:solidFill>
                 <a:latin typeface="Helvetica" pitchFamily="2" charset="0"/>
               </a:rPr>
-              <a:t>Diverter</a:t>
+              <a:t>Diverter Class</a:t>
             </a:r>
             <a:endParaRPr lang="en-US" sz="3200" dirty="0">
               <a:solidFill>
@@ -6770,7 +8111,7 @@
           <a:graphicData uri="http://schemas.openxmlformats.org/presentationml/2006/ole">
             <mc:AlternateContent xmlns:mc="http://schemas.openxmlformats.org/markup-compatibility/2006">
               <mc:Choice xmlns:v="urn:schemas-microsoft-com:vml" Requires="v">
-                <p:oleObj spid="_x0000_s3084" name="Acrobat Document" r:id="rId4" imgW="2217101" imgH="3177304" progId="AcroExch.Document.DC">
+                <p:oleObj spid="_x0000_s3094" name="Acrobat Document" r:id="rId4" imgW="2217101" imgH="3177304" progId="AcroExch.Document.DC">
                   <p:embed/>
                 </p:oleObj>
               </mc:Choice>
@@ -6820,7 +8161,7 @@
         <p:spPr>
           <a:xfrm>
             <a:off x="580913" y="1559859"/>
-            <a:ext cx="3431689" cy="3693319"/>
+            <a:ext cx="3431689" cy="3416320"/>
           </a:xfrm>
           <a:prstGeom prst="rect">
             <a:avLst/>
@@ -6838,7 +8179,7 @@
                 <a:latin typeface="Helvetica" panose="020B0604020202020204" pitchFamily="34" charset="0"/>
                 <a:cs typeface="Helvetica" panose="020B0604020202020204" pitchFamily="34" charset="0"/>
               </a:rPr>
-              <a:t>This class handles all diversion:</a:t>
+              <a:t>Inputs:</a:t>
             </a:r>
           </a:p>
           <a:p>
@@ -6851,7 +8192,33 @@
                 <a:latin typeface="Helvetica" panose="020B0604020202020204" pitchFamily="34" charset="0"/>
                 <a:cs typeface="Helvetica" panose="020B0604020202020204" pitchFamily="34" charset="0"/>
               </a:rPr>
-              <a:t>Which parameter to change</a:t>
+              <a:t>Location</a:t>
+            </a:r>
+          </a:p>
+          <a:p>
+            <a:pPr marL="742950" lvl="1" indent="-285750">
+              <a:buFont typeface="Arial" panose="020B0604020202020204" pitchFamily="34" charset="0"/>
+              <a:buChar char="•"/>
+            </a:pPr>
+            <a:r>
+              <a:rPr lang="en-US" dirty="0">
+                <a:latin typeface="Helvetica" panose="020B0604020202020204" pitchFamily="34" charset="0"/>
+                <a:cs typeface="Helvetica" panose="020B0604020202020204" pitchFamily="34" charset="0"/>
+              </a:rPr>
+              <a:t>Sub-process</a:t>
+            </a:r>
+          </a:p>
+          <a:p>
+            <a:pPr marL="742950" lvl="1" indent="-285750">
+              <a:buFont typeface="Arial" panose="020B0604020202020204" pitchFamily="34" charset="0"/>
+              <a:buChar char="•"/>
+            </a:pPr>
+            <a:r>
+              <a:rPr lang="en-US" dirty="0">
+                <a:latin typeface="Helvetica" panose="020B0604020202020204" pitchFamily="34" charset="0"/>
+                <a:cs typeface="Helvetica" panose="020B0604020202020204" pitchFamily="34" charset="0"/>
+              </a:rPr>
+              <a:t>Operation Setting</a:t>
             </a:r>
           </a:p>
           <a:p>
@@ -6864,7 +8231,7 @@
                 <a:latin typeface="Helvetica" panose="020B0604020202020204" pitchFamily="34" charset="0"/>
                 <a:cs typeface="Helvetica" panose="020B0604020202020204" pitchFamily="34" charset="0"/>
               </a:rPr>
-              <a:t>What sub-process is compromised</a:t>
+              <a:t>Quantity</a:t>
             </a:r>
           </a:p>
           <a:p>
@@ -6877,7 +8244,20 @@
                 <a:latin typeface="Helvetica" panose="020B0604020202020204" pitchFamily="34" charset="0"/>
                 <a:cs typeface="Helvetica" panose="020B0604020202020204" pitchFamily="34" charset="0"/>
               </a:rPr>
-              <a:t>How much excess material needs to be produced for successful diversion</a:t>
+              <a:t>Frequency</a:t>
+            </a:r>
+          </a:p>
+          <a:p>
+            <a:pPr marL="285750" indent="-285750">
+              <a:buFont typeface="Arial" panose="020B0604020202020204" pitchFamily="34" charset="0"/>
+              <a:buChar char="•"/>
+            </a:pPr>
+            <a:r>
+              <a:rPr lang="en-US" dirty="0">
+                <a:latin typeface="Helvetica" panose="020B0604020202020204" pitchFamily="34" charset="0"/>
+                <a:cs typeface="Helvetica" panose="020B0604020202020204" pitchFamily="34" charset="0"/>
+              </a:rPr>
+              <a:t>Number of Diversions</a:t>
             </a:r>
           </a:p>
           <a:p>
@@ -6905,25 +8285,18 @@
               <a:buChar char="•"/>
             </a:pPr>
             <a:r>
+              <a:rPr lang="en-US" dirty="0" err="1">
+                <a:latin typeface="Helvetica" panose="020B0604020202020204" pitchFamily="34" charset="0"/>
+                <a:cs typeface="Helvetica" panose="020B0604020202020204" pitchFamily="34" charset="0"/>
+              </a:rPr>
+              <a:t>Cyclus</a:t>
+            </a:r>
+            <a:r>
               <a:rPr lang="en-US" dirty="0">
                 <a:latin typeface="Helvetica" panose="020B0604020202020204" pitchFamily="34" charset="0"/>
                 <a:cs typeface="Helvetica" panose="020B0604020202020204" pitchFamily="34" charset="0"/>
               </a:rPr>
-              <a:t>Enable with future </a:t>
-            </a:r>
-            <a:r>
-              <a:rPr lang="en-US" dirty="0" err="1">
-                <a:latin typeface="Helvetica" panose="020B0604020202020204" pitchFamily="34" charset="0"/>
-                <a:cs typeface="Helvetica" panose="020B0604020202020204" pitchFamily="34" charset="0"/>
-              </a:rPr>
-              <a:t>Cyclus</a:t>
-            </a:r>
-            <a:r>
-              <a:rPr lang="en-US" dirty="0">
-                <a:latin typeface="Helvetica" panose="020B0604020202020204" pitchFamily="34" charset="0"/>
-                <a:cs typeface="Helvetica" panose="020B0604020202020204" pitchFamily="34" charset="0"/>
-              </a:rPr>
-              <a:t> facilities.</a:t>
+              <a:t> toolkit</a:t>
             </a:r>
           </a:p>
           <a:p>
@@ -7010,7 +8383,7 @@
                 </a:solidFill>
                 <a:latin typeface="Helvetica" pitchFamily="2" charset="0"/>
               </a:rPr>
-              <a:t>Diversion Settings</a:t>
+              <a:t>Diversion Detection</a:t>
             </a:r>
             <a:endParaRPr lang="en-US" sz="3200" dirty="0">
               <a:solidFill>
@@ -7126,8 +8499,8 @@
         </p:nvSpPr>
         <p:spPr>
           <a:xfrm>
-            <a:off x="446851" y="1890679"/>
-            <a:ext cx="2904565" cy="2585323"/>
+            <a:off x="446851" y="1417638"/>
+            <a:ext cx="2468471" cy="3970318"/>
           </a:xfrm>
           <a:prstGeom prst="rect">
             <a:avLst/>
@@ -7145,7 +8518,7 @@
                 <a:latin typeface="Helvetica" panose="020B0604020202020204" pitchFamily="34" charset="0"/>
                 <a:cs typeface="Helvetica" panose="020B0604020202020204" pitchFamily="34" charset="0"/>
               </a:rPr>
-              <a:t>Each facility prototype can have unique diversion:</a:t>
+              <a:t>Nefarious:</a:t>
             </a:r>
           </a:p>
           <a:p>
@@ -7158,7 +8531,7 @@
                 <a:latin typeface="Helvetica" panose="020B0604020202020204" pitchFamily="34" charset="0"/>
                 <a:cs typeface="Helvetica" panose="020B0604020202020204" pitchFamily="34" charset="0"/>
               </a:rPr>
-              <a:t>Quantities </a:t>
+              <a:t>Transactions</a:t>
             </a:r>
           </a:p>
           <a:p>
@@ -7166,16 +8539,22 @@
               <a:buFont typeface="Arial" panose="020B0604020202020204" pitchFamily="34" charset="0"/>
               <a:buChar char="•"/>
             </a:pPr>
+            <a:endParaRPr lang="en-US" dirty="0">
+              <a:latin typeface="Helvetica" panose="020B0604020202020204" pitchFamily="34" charset="0"/>
+              <a:cs typeface="Helvetica" panose="020B0604020202020204" pitchFamily="34" charset="0"/>
+            </a:endParaRPr>
+          </a:p>
+          <a:p>
             <a:r>
               <a:rPr lang="en-US" dirty="0">
                 <a:latin typeface="Helvetica" panose="020B0604020202020204" pitchFamily="34" charset="0"/>
                 <a:cs typeface="Helvetica" panose="020B0604020202020204" pitchFamily="34" charset="0"/>
               </a:rPr>
-              <a:t>Locations</a:t>
-            </a:r>
-          </a:p>
-          <a:p>
-            <a:pPr marL="742950" lvl="1" indent="-285750">
+              <a:t>Operator:</a:t>
+            </a:r>
+          </a:p>
+          <a:p>
+            <a:pPr marL="285750" indent="-285750">
               <a:buFont typeface="Arial" panose="020B0604020202020204" pitchFamily="34" charset="0"/>
               <a:buChar char="•"/>
             </a:pPr>
@@ -7184,11 +8563,11 @@
                 <a:latin typeface="Helvetica" panose="020B0604020202020204" pitchFamily="34" charset="0"/>
                 <a:cs typeface="Helvetica" panose="020B0604020202020204" pitchFamily="34" charset="0"/>
               </a:rPr>
-              <a:t>Sub-process</a:t>
-            </a:r>
-          </a:p>
-          <a:p>
-            <a:pPr marL="742950" lvl="1" indent="-285750">
+              <a:t>Material transactions are no longer reliable</a:t>
+            </a:r>
+          </a:p>
+          <a:p>
+            <a:pPr marL="285750" indent="-285750">
               <a:buFont typeface="Arial" panose="020B0604020202020204" pitchFamily="34" charset="0"/>
               <a:buChar char="•"/>
             </a:pPr>
@@ -7197,20 +8576,22 @@
                 <a:latin typeface="Helvetica" panose="020B0604020202020204" pitchFamily="34" charset="0"/>
                 <a:cs typeface="Helvetica" panose="020B0604020202020204" pitchFamily="34" charset="0"/>
               </a:rPr>
-              <a:t>Parameter</a:t>
-            </a:r>
-          </a:p>
-          <a:p>
-            <a:pPr marL="742950" lvl="1" indent="-285750">
-              <a:buFont typeface="Arial" panose="020B0604020202020204" pitchFamily="34" charset="0"/>
-              <a:buChar char="•"/>
-            </a:pPr>
+              <a:t>Signatures and Observables</a:t>
+            </a:r>
+          </a:p>
+          <a:p>
+            <a:endParaRPr lang="en-US" dirty="0">
+              <a:latin typeface="Helvetica" panose="020B0604020202020204" pitchFamily="34" charset="0"/>
+              <a:cs typeface="Helvetica" panose="020B0604020202020204" pitchFamily="34" charset="0"/>
+            </a:endParaRPr>
+          </a:p>
+          <a:p>
             <a:r>
               <a:rPr lang="en-US" dirty="0">
                 <a:latin typeface="Helvetica" panose="020B0604020202020204" pitchFamily="34" charset="0"/>
                 <a:cs typeface="Helvetica" panose="020B0604020202020204" pitchFamily="34" charset="0"/>
               </a:rPr>
-              <a:t>Type</a:t>
+              <a:t>CUSUM Method:</a:t>
             </a:r>
           </a:p>
           <a:p>
@@ -7223,7 +8604,7 @@
                 <a:latin typeface="Helvetica" panose="020B0604020202020204" pitchFamily="34" charset="0"/>
                 <a:cs typeface="Helvetica" panose="020B0604020202020204" pitchFamily="34" charset="0"/>
               </a:rPr>
-              <a:t>Number of Diversions</a:t>
+              <a:t>Startup time</a:t>
             </a:r>
           </a:p>
           <a:p>
@@ -7236,45 +8617,91 @@
                 <a:latin typeface="Helvetica" panose="020B0604020202020204" pitchFamily="34" charset="0"/>
                 <a:cs typeface="Helvetica" panose="020B0604020202020204" pitchFamily="34" charset="0"/>
               </a:rPr>
-              <a:t>Frequency</a:t>
-            </a:r>
-          </a:p>
-        </p:txBody>
-      </p:sp>
-      <p:pic>
-        <p:nvPicPr>
-          <p:cNvPr id="5" name="Picture 4">
+              <a:t>Generic</a:t>
+            </a:r>
+          </a:p>
+          <a:p>
+            <a:pPr marL="285750" indent="-285750">
+              <a:buFont typeface="Arial" panose="020B0604020202020204" pitchFamily="34" charset="0"/>
+              <a:buChar char="•"/>
+            </a:pPr>
+            <a:r>
+              <a:rPr lang="en-US" dirty="0">
+                <a:latin typeface="Helvetica" panose="020B0604020202020204" pitchFamily="34" charset="0"/>
+                <a:cs typeface="Helvetica" panose="020B0604020202020204" pitchFamily="34" charset="0"/>
+              </a:rPr>
+              <a:t>3 σ sets alarm</a:t>
+            </a:r>
+          </a:p>
+        </p:txBody>
+      </p:sp>
+      <p:graphicFrame>
+        <p:nvGraphicFramePr>
+          <p:cNvPr id="3" name="Object 2">
             <a:extLst>
               <a:ext uri="{FF2B5EF4-FFF2-40B4-BE49-F238E27FC236}">
-                <a16:creationId xmlns:a16="http://schemas.microsoft.com/office/drawing/2014/main" id="{B2069FF8-D9C7-4843-B6A2-FECAD36BB70C}"/>
+                <a16:creationId xmlns:a16="http://schemas.microsoft.com/office/drawing/2014/main" id="{AD7681E1-ACA4-46B8-A1E8-CA0F53A13960}"/>
               </a:ext>
             </a:extLst>
           </p:cNvPr>
-          <p:cNvPicPr>
-            <a:picLocks noChangeAspect="1"/>
-          </p:cNvPicPr>
-          <p:nvPr/>
-        </p:nvPicPr>
-        <p:blipFill>
-          <a:blip r:embed="rId3"/>
-          <a:stretch>
-            <a:fillRect/>
-          </a:stretch>
-        </p:blipFill>
-        <p:spPr>
-          <a:xfrm>
-            <a:off x="3282525" y="1417638"/>
-            <a:ext cx="5076167" cy="3627698"/>
-          </a:xfrm>
-          <a:prstGeom prst="rect">
-            <a:avLst/>
-          </a:prstGeom>
-        </p:spPr>
-      </p:pic>
+          <p:cNvGraphicFramePr>
+            <a:graphicFrameLocks noChangeAspect="1"/>
+          </p:cNvGraphicFramePr>
+          <p:nvPr>
+            <p:extLst>
+              <p:ext uri="{D42A27DB-BD31-4B8C-83A1-F6EECF244321}">
+                <p14:modId xmlns:p14="http://schemas.microsoft.com/office/powerpoint/2010/main" val="3336539289"/>
+              </p:ext>
+            </p:extLst>
+          </p:nvPr>
+        </p:nvGraphicFramePr>
+        <p:xfrm>
+          <a:off x="2915322" y="1756192"/>
+          <a:ext cx="5449098" cy="3892622"/>
+        </p:xfrm>
+        <a:graphic>
+          <a:graphicData uri="http://schemas.openxmlformats.org/presentationml/2006/ole">
+            <mc:AlternateContent xmlns:mc="http://schemas.openxmlformats.org/markup-compatibility/2006">
+              <mc:Choice xmlns:v="urn:schemas-microsoft-com:vml" Requires="v">
+                <p:oleObj spid="_x0000_s4116" name="Acrobat Document" r:id="rId4" imgW="3017520" imgH="2156240" progId="AcroExch.Document.DC">
+                  <p:embed/>
+                </p:oleObj>
+              </mc:Choice>
+              <mc:Fallback>
+                <p:oleObj name="Acrobat Document" r:id="rId4" imgW="3017520" imgH="2156240" progId="AcroExch.Document.DC">
+                  <p:embed/>
+                  <p:pic>
+                    <p:nvPicPr>
+                      <p:cNvPr id="0" name=""/>
+                      <p:cNvPicPr/>
+                      <p:nvPr/>
+                    </p:nvPicPr>
+                    <p:blipFill>
+                      <a:blip r:embed="rId5"/>
+                      <a:stretch>
+                        <a:fillRect/>
+                      </a:stretch>
+                    </p:blipFill>
+                    <p:spPr>
+                      <a:xfrm>
+                        <a:off x="2915322" y="1756192"/>
+                        <a:ext cx="5449098" cy="3892622"/>
+                      </a:xfrm>
+                      <a:prstGeom prst="rect">
+                        <a:avLst/>
+                      </a:prstGeom>
+                    </p:spPr>
+                  </p:pic>
+                </p:oleObj>
+              </mc:Fallback>
+            </mc:AlternateContent>
+          </a:graphicData>
+        </a:graphic>
+      </p:graphicFrame>
     </p:spTree>
     <p:extLst>
       <p:ext uri="{BB962C8B-B14F-4D97-AF65-F5344CB8AC3E}">
-        <p14:creationId xmlns:p14="http://schemas.microsoft.com/office/powerpoint/2010/main" val="4012733445"/>
+        <p14:creationId xmlns:p14="http://schemas.microsoft.com/office/powerpoint/2010/main" val="22027422"/>
       </p:ext>
     </p:extLst>
   </p:cSld>
@@ -7329,7 +8756,7 @@
                 </a:solidFill>
                 <a:latin typeface="Helvetica" pitchFamily="2" charset="0"/>
               </a:rPr>
-              <a:t>Diversion Detection</a:t>
+              <a:t>Transition Scenario</a:t>
             </a:r>
             <a:endParaRPr lang="en-US" sz="3200" dirty="0">
               <a:solidFill>
@@ -7436,7 +8863,7 @@
           <p:cNvPr id="2" name="TextBox 1">
             <a:extLst>
               <a:ext uri="{FF2B5EF4-FFF2-40B4-BE49-F238E27FC236}">
-                <a16:creationId xmlns:a16="http://schemas.microsoft.com/office/drawing/2014/main" id="{383FA589-9B57-418F-B3F6-122584A36234}"/>
+                <a16:creationId xmlns:a16="http://schemas.microsoft.com/office/drawing/2014/main" id="{579E1588-28D1-4C52-BA33-5D27886E2E13}"/>
               </a:ext>
             </a:extLst>
           </p:cNvPr>
@@ -7445,8 +8872,8 @@
         </p:nvSpPr>
         <p:spPr>
           <a:xfrm>
-            <a:off x="446851" y="1890679"/>
-            <a:ext cx="2904565" cy="4247317"/>
+            <a:off x="532015" y="1612669"/>
+            <a:ext cx="7381701" cy="2585323"/>
           </a:xfrm>
           <a:prstGeom prst="rect">
             <a:avLst/>
@@ -7464,7 +8891,21 @@
                 <a:latin typeface="Helvetica" panose="020B0604020202020204" pitchFamily="34" charset="0"/>
                 <a:cs typeface="Helvetica" panose="020B0604020202020204" pitchFamily="34" charset="0"/>
               </a:rPr>
-              <a:t>Nefarious:</a:t>
+              <a:t>A main attraction of </a:t>
+            </a:r>
+            <a:r>
+              <a:rPr lang="en-US" dirty="0" err="1">
+                <a:latin typeface="Helvetica" panose="020B0604020202020204" pitchFamily="34" charset="0"/>
+                <a:cs typeface="Helvetica" panose="020B0604020202020204" pitchFamily="34" charset="0"/>
+              </a:rPr>
+              <a:t>pyroprocessing</a:t>
+            </a:r>
+            <a:r>
+              <a:rPr lang="en-US" dirty="0">
+                <a:latin typeface="Helvetica" panose="020B0604020202020204" pitchFamily="34" charset="0"/>
+                <a:cs typeface="Helvetica" panose="020B0604020202020204" pitchFamily="34" charset="0"/>
+              </a:rPr>
+              <a:t> is the ability to handle LWR and SFR waste. </a:t>
             </a:r>
           </a:p>
           <a:p>
@@ -7477,7 +8918,21 @@
                 <a:latin typeface="Helvetica" panose="020B0604020202020204" pitchFamily="34" charset="0"/>
                 <a:cs typeface="Helvetica" panose="020B0604020202020204" pitchFamily="34" charset="0"/>
               </a:rPr>
-              <a:t>Can be detected by observing material transactions</a:t>
+              <a:t>To verify this capability in </a:t>
+            </a:r>
+            <a:r>
+              <a:rPr lang="en-US" dirty="0" err="1">
+                <a:latin typeface="Helvetica" panose="020B0604020202020204" pitchFamily="34" charset="0"/>
+                <a:cs typeface="Helvetica" panose="020B0604020202020204" pitchFamily="34" charset="0"/>
+              </a:rPr>
+              <a:t>PyRe</a:t>
+            </a:r>
+            <a:r>
+              <a:rPr lang="en-US" dirty="0">
+                <a:latin typeface="Helvetica" panose="020B0604020202020204" pitchFamily="34" charset="0"/>
+                <a:cs typeface="Helvetica" panose="020B0604020202020204" pitchFamily="34" charset="0"/>
+              </a:rPr>
+              <a:t>, we ran an EG01 – EG24 transition scenario.</a:t>
             </a:r>
           </a:p>
           <a:p>
@@ -7485,22 +8940,53 @@
               <a:buFont typeface="Arial" panose="020B0604020202020204" pitchFamily="34" charset="0"/>
               <a:buChar char="•"/>
             </a:pPr>
+            <a:r>
+              <a:rPr lang="en-US" dirty="0">
+                <a:latin typeface="Helvetica" panose="020B0604020202020204" pitchFamily="34" charset="0"/>
+                <a:cs typeface="Helvetica" panose="020B0604020202020204" pitchFamily="34" charset="0"/>
+              </a:rPr>
+              <a:t>We want to observe the following:</a:t>
+            </a:r>
+          </a:p>
+          <a:p>
+            <a:pPr marL="742950" lvl="1" indent="-285750">
+              <a:buFont typeface="Arial" panose="020B0604020202020204" pitchFamily="34" charset="0"/>
+              <a:buChar char="•"/>
+            </a:pPr>
+            <a:r>
+              <a:rPr lang="en-US" dirty="0">
+                <a:latin typeface="Helvetica" panose="020B0604020202020204" pitchFamily="34" charset="0"/>
+                <a:cs typeface="Helvetica" panose="020B0604020202020204" pitchFamily="34" charset="0"/>
+              </a:rPr>
+              <a:t>Appropriate deploying of </a:t>
+            </a:r>
+            <a:r>
+              <a:rPr lang="en-US" dirty="0" err="1">
+                <a:latin typeface="Helvetica" panose="020B0604020202020204" pitchFamily="34" charset="0"/>
+                <a:cs typeface="Helvetica" panose="020B0604020202020204" pitchFamily="34" charset="0"/>
+              </a:rPr>
+              <a:t>PyRe</a:t>
+            </a:r>
             <a:endParaRPr lang="en-US" dirty="0">
               <a:latin typeface="Helvetica" panose="020B0604020202020204" pitchFamily="34" charset="0"/>
               <a:cs typeface="Helvetica" panose="020B0604020202020204" pitchFamily="34" charset="0"/>
             </a:endParaRPr>
           </a:p>
           <a:p>
+            <a:pPr marL="742950" lvl="1" indent="-285750">
+              <a:buFont typeface="Arial" panose="020B0604020202020204" pitchFamily="34" charset="0"/>
+              <a:buChar char="•"/>
+            </a:pPr>
             <a:r>
               <a:rPr lang="en-US" dirty="0">
                 <a:latin typeface="Helvetica" panose="020B0604020202020204" pitchFamily="34" charset="0"/>
                 <a:cs typeface="Helvetica" panose="020B0604020202020204" pitchFamily="34" charset="0"/>
               </a:rPr>
-              <a:t>Operator:</a:t>
-            </a:r>
-          </a:p>
-          <a:p>
-            <a:pPr marL="285750" indent="-285750">
+              <a:t>Ability to meet demand of new SFRs</a:t>
+            </a:r>
+          </a:p>
+          <a:p>
+            <a:pPr marL="742950" lvl="1" indent="-285750">
               <a:buFont typeface="Arial" panose="020B0604020202020204" pitchFamily="34" charset="0"/>
               <a:buChar char="•"/>
             </a:pPr>
@@ -7509,11 +8995,11 @@
                 <a:latin typeface="Helvetica" panose="020B0604020202020204" pitchFamily="34" charset="0"/>
                 <a:cs typeface="Helvetica" panose="020B0604020202020204" pitchFamily="34" charset="0"/>
               </a:rPr>
-              <a:t>Material transactions are no longer reliable</a:t>
-            </a:r>
-          </a:p>
-          <a:p>
-            <a:pPr marL="285750" indent="-285750">
+              <a:t>Diversion capabilities</a:t>
+            </a:r>
+          </a:p>
+          <a:p>
+            <a:pPr marL="742950" lvl="1" indent="-285750">
               <a:buFont typeface="Arial" panose="020B0604020202020204" pitchFamily="34" charset="0"/>
               <a:buChar char="•"/>
             </a:pPr>
@@ -7522,132 +9008,15 @@
                 <a:latin typeface="Helvetica" panose="020B0604020202020204" pitchFamily="34" charset="0"/>
                 <a:cs typeface="Helvetica" panose="020B0604020202020204" pitchFamily="34" charset="0"/>
               </a:rPr>
-              <a:t>Instead we use one or more of the parameters</a:t>
-            </a:r>
-          </a:p>
-          <a:p>
-            <a:endParaRPr lang="en-US" dirty="0">
-              <a:latin typeface="Helvetica" panose="020B0604020202020204" pitchFamily="34" charset="0"/>
-              <a:cs typeface="Helvetica" panose="020B0604020202020204" pitchFamily="34" charset="0"/>
-            </a:endParaRPr>
-          </a:p>
-          <a:p>
-            <a:r>
-              <a:rPr lang="en-US" dirty="0">
-                <a:latin typeface="Helvetica" panose="020B0604020202020204" pitchFamily="34" charset="0"/>
-                <a:cs typeface="Helvetica" panose="020B0604020202020204" pitchFamily="34" charset="0"/>
-              </a:rPr>
-              <a:t>CUSUM Method:</a:t>
-            </a:r>
-          </a:p>
-          <a:p>
-            <a:pPr marL="285750" indent="-285750">
-              <a:buFont typeface="Arial" panose="020B0604020202020204" pitchFamily="34" charset="0"/>
-              <a:buChar char="•"/>
-            </a:pPr>
-            <a:r>
-              <a:rPr lang="en-US" dirty="0">
-                <a:latin typeface="Helvetica" panose="020B0604020202020204" pitchFamily="34" charset="0"/>
-                <a:cs typeface="Helvetica" panose="020B0604020202020204" pitchFamily="34" charset="0"/>
-              </a:rPr>
-              <a:t>Startup time</a:t>
-            </a:r>
-          </a:p>
-          <a:p>
-            <a:pPr marL="285750" indent="-285750">
-              <a:buFont typeface="Arial" panose="020B0604020202020204" pitchFamily="34" charset="0"/>
-              <a:buChar char="•"/>
-            </a:pPr>
-            <a:r>
-              <a:rPr lang="en-US" dirty="0">
-                <a:latin typeface="Helvetica" panose="020B0604020202020204" pitchFamily="34" charset="0"/>
-                <a:cs typeface="Helvetica" panose="020B0604020202020204" pitchFamily="34" charset="0"/>
-              </a:rPr>
-              <a:t>Generic</a:t>
-            </a:r>
-          </a:p>
-          <a:p>
-            <a:pPr marL="285750" indent="-285750">
-              <a:buFont typeface="Arial" panose="020B0604020202020204" pitchFamily="34" charset="0"/>
-              <a:buChar char="•"/>
-            </a:pPr>
-            <a:r>
-              <a:rPr lang="en-US" dirty="0">
-                <a:latin typeface="Helvetica" panose="020B0604020202020204" pitchFamily="34" charset="0"/>
-                <a:cs typeface="Helvetica" panose="020B0604020202020204" pitchFamily="34" charset="0"/>
-              </a:rPr>
-              <a:t>3 std. sets alarm</a:t>
-            </a:r>
-          </a:p>
-        </p:txBody>
-      </p:sp>
-      <p:graphicFrame>
-        <p:nvGraphicFramePr>
-          <p:cNvPr id="3" name="Object 2">
-            <a:extLst>
-              <a:ext uri="{FF2B5EF4-FFF2-40B4-BE49-F238E27FC236}">
-                <a16:creationId xmlns:a16="http://schemas.microsoft.com/office/drawing/2014/main" id="{AD7681E1-ACA4-46B8-A1E8-CA0F53A13960}"/>
-              </a:ext>
-            </a:extLst>
-          </p:cNvPr>
-          <p:cNvGraphicFramePr>
-            <a:graphicFrameLocks noChangeAspect="1"/>
-          </p:cNvGraphicFramePr>
-          <p:nvPr>
-            <p:extLst>
-              <p:ext uri="{D42A27DB-BD31-4B8C-83A1-F6EECF244321}">
-                <p14:modId xmlns:p14="http://schemas.microsoft.com/office/powerpoint/2010/main" val="2376256478"/>
-              </p:ext>
-            </p:extLst>
-          </p:nvPr>
-        </p:nvGraphicFramePr>
-        <p:xfrm>
-          <a:off x="3417267" y="1755659"/>
-          <a:ext cx="5449098" cy="3892622"/>
-        </p:xfrm>
-        <a:graphic>
-          <a:graphicData uri="http://schemas.openxmlformats.org/presentationml/2006/ole">
-            <mc:AlternateContent xmlns:mc="http://schemas.openxmlformats.org/markup-compatibility/2006">
-              <mc:Choice xmlns:v="urn:schemas-microsoft-com:vml" Requires="v">
-                <p:oleObj spid="_x0000_s4105" name="Acrobat Document" r:id="rId4" imgW="3017520" imgH="2156240" progId="AcroExch.Document.DC">
-                  <p:embed/>
-                </p:oleObj>
-              </mc:Choice>
-              <mc:Fallback>
-                <p:oleObj name="Acrobat Document" r:id="rId4" imgW="3017520" imgH="2156240" progId="AcroExch.Document.DC">
-                  <p:embed/>
-                  <p:pic>
-                    <p:nvPicPr>
-                      <p:cNvPr id="0" name=""/>
-                      <p:cNvPicPr/>
-                      <p:nvPr/>
-                    </p:nvPicPr>
-                    <p:blipFill>
-                      <a:blip r:embed="rId5"/>
-                      <a:stretch>
-                        <a:fillRect/>
-                      </a:stretch>
-                    </p:blipFill>
-                    <p:spPr>
-                      <a:xfrm>
-                        <a:off x="3417267" y="1755659"/>
-                        <a:ext cx="5449098" cy="3892622"/>
-                      </a:xfrm>
-                      <a:prstGeom prst="rect">
-                        <a:avLst/>
-                      </a:prstGeom>
-                    </p:spPr>
-                  </p:pic>
-                </p:oleObj>
-              </mc:Fallback>
-            </mc:AlternateContent>
-          </a:graphicData>
-        </a:graphic>
-      </p:graphicFrame>
+              <a:t>Accurate transition from UOX to SFR fuels</a:t>
+            </a:r>
+          </a:p>
+        </p:txBody>
+      </p:sp>
     </p:spTree>
     <p:extLst>
       <p:ext uri="{BB962C8B-B14F-4D97-AF65-F5344CB8AC3E}">
-        <p14:creationId xmlns:p14="http://schemas.microsoft.com/office/powerpoint/2010/main" val="22027422"/>
+        <p14:creationId xmlns:p14="http://schemas.microsoft.com/office/powerpoint/2010/main" val="2441093685"/>
       </p:ext>
     </p:extLst>
   </p:cSld>
@@ -7701,8 +9070,10 @@
                   <a:srgbClr val="13294B"/>
                 </a:solidFill>
                 <a:latin typeface="Helvetica" pitchFamily="2" charset="0"/>
-              </a:rPr>
-              <a:t>Transition Scenario</a:t>
+                <a:ea typeface="Georgia" charset="0"/>
+                <a:cs typeface="Georgia" charset="0"/>
+              </a:rPr>
+              <a:t>Transition Scenario - Setup</a:t>
             </a:r>
             <a:endParaRPr lang="en-US" sz="3200" dirty="0">
               <a:solidFill>
@@ -7806,10 +9177,10 @@
       </p:sp>
       <p:sp>
         <p:nvSpPr>
-          <p:cNvPr id="2" name="TextBox 1">
+          <p:cNvPr id="5" name="TextBox 4">
             <a:extLst>
               <a:ext uri="{FF2B5EF4-FFF2-40B4-BE49-F238E27FC236}">
-                <a16:creationId xmlns:a16="http://schemas.microsoft.com/office/drawing/2014/main" id="{579E1588-28D1-4C52-BA33-5D27886E2E13}"/>
+                <a16:creationId xmlns:a16="http://schemas.microsoft.com/office/drawing/2014/main" id="{265394EF-D7CD-43C6-8528-8B569CA2CE91}"/>
               </a:ext>
             </a:extLst>
           </p:cNvPr>
@@ -7818,8 +9189,8 @@
         </p:nvSpPr>
         <p:spPr>
           <a:xfrm>
-            <a:off x="532015" y="1612669"/>
-            <a:ext cx="7381701" cy="2585323"/>
+            <a:off x="742278" y="1699708"/>
+            <a:ext cx="7045036" cy="3416320"/>
           </a:xfrm>
           <a:prstGeom prst="rect">
             <a:avLst/>
@@ -7832,6 +9203,15 @@
           </a:bodyPr>
           <a:lstStyle/>
           <a:p>
+            <a:r>
+              <a:rPr lang="en-US" dirty="0">
+                <a:latin typeface="Helvetica" panose="020B0604020202020204" pitchFamily="34" charset="0"/>
+                <a:cs typeface="Helvetica" panose="020B0604020202020204" pitchFamily="34" charset="0"/>
+              </a:rPr>
+              <a:t>Legacy:</a:t>
+            </a:r>
+          </a:p>
+          <a:p>
             <a:pPr marL="285750" indent="-285750">
               <a:buFont typeface="Arial" panose="020B0604020202020204" pitchFamily="34" charset="0"/>
               <a:buChar char="•"/>
@@ -7841,21 +9221,33 @@
                 <a:latin typeface="Helvetica" panose="020B0604020202020204" pitchFamily="34" charset="0"/>
                 <a:cs typeface="Helvetica" panose="020B0604020202020204" pitchFamily="34" charset="0"/>
               </a:rPr>
-              <a:t>A main attraction of </a:t>
-            </a:r>
-            <a:r>
-              <a:rPr lang="en-US" dirty="0" err="1">
-                <a:latin typeface="Helvetica" panose="020B0604020202020204" pitchFamily="34" charset="0"/>
-                <a:cs typeface="Helvetica" panose="020B0604020202020204" pitchFamily="34" charset="0"/>
-              </a:rPr>
-              <a:t>pyroprocessing</a:t>
-            </a:r>
+              <a:t>200 LWRs</a:t>
+            </a:r>
+          </a:p>
+          <a:p>
+            <a:pPr marL="742950" lvl="1" indent="-285750">
+              <a:buFont typeface="Arial" panose="020B0604020202020204" pitchFamily="34" charset="0"/>
+              <a:buChar char="•"/>
+            </a:pPr>
             <a:r>
               <a:rPr lang="en-US" dirty="0">
                 <a:latin typeface="Helvetica" panose="020B0604020202020204" pitchFamily="34" charset="0"/>
                 <a:cs typeface="Helvetica" panose="020B0604020202020204" pitchFamily="34" charset="0"/>
               </a:rPr>
-              <a:t> is the ability to handle LWR and SFR waste. </a:t>
+              <a:t>50% 60yr lifetime</a:t>
+            </a:r>
+          </a:p>
+          <a:p>
+            <a:pPr marL="742950" lvl="1" indent="-285750">
+              <a:buFont typeface="Arial" panose="020B0604020202020204" pitchFamily="34" charset="0"/>
+              <a:buChar char="•"/>
+            </a:pPr>
+            <a:r>
+              <a:rPr lang="en-US" dirty="0">
+                <a:latin typeface="Helvetica" panose="020B0604020202020204" pitchFamily="34" charset="0"/>
+                <a:cs typeface="Helvetica" panose="020B0604020202020204" pitchFamily="34" charset="0"/>
+              </a:rPr>
+              <a:t>50% 80yr lifetime</a:t>
             </a:r>
           </a:p>
           <a:p>
@@ -7868,33 +9260,7 @@
                 <a:latin typeface="Helvetica" panose="020B0604020202020204" pitchFamily="34" charset="0"/>
                 <a:cs typeface="Helvetica" panose="020B0604020202020204" pitchFamily="34" charset="0"/>
               </a:rPr>
-              <a:t>To verify this capability, we ran a transition scenario from the current ~400 LWRs to approx. 2000 SFRs starting in 2050.</a:t>
-            </a:r>
-          </a:p>
-          <a:p>
-            <a:pPr marL="285750" indent="-285750">
-              <a:buFont typeface="Arial" panose="020B0604020202020204" pitchFamily="34" charset="0"/>
-              <a:buChar char="•"/>
-            </a:pPr>
-            <a:r>
-              <a:rPr lang="en-US" dirty="0">
-                <a:latin typeface="Helvetica" panose="020B0604020202020204" pitchFamily="34" charset="0"/>
-                <a:cs typeface="Helvetica" panose="020B0604020202020204" pitchFamily="34" charset="0"/>
-              </a:rPr>
-              <a:t>We want to observe the following:</a:t>
-            </a:r>
-          </a:p>
-          <a:p>
-            <a:pPr marL="742950" lvl="1" indent="-285750">
-              <a:buFont typeface="Arial" panose="020B0604020202020204" pitchFamily="34" charset="0"/>
-              <a:buChar char="•"/>
-            </a:pPr>
-            <a:r>
-              <a:rPr lang="en-US" dirty="0">
-                <a:latin typeface="Helvetica" panose="020B0604020202020204" pitchFamily="34" charset="0"/>
-                <a:cs typeface="Helvetica" panose="020B0604020202020204" pitchFamily="34" charset="0"/>
-              </a:rPr>
-              <a:t>Appropriate deploying of </a:t>
+              <a:t>LWR </a:t>
             </a:r>
             <a:r>
               <a:rPr lang="en-US" dirty="0" err="1">
@@ -7909,6 +9275,38 @@
             </a:endParaRPr>
           </a:p>
           <a:p>
+            <a:pPr marL="285750" indent="-285750">
+              <a:buFont typeface="Arial" panose="020B0604020202020204" pitchFamily="34" charset="0"/>
+              <a:buChar char="•"/>
+            </a:pPr>
+            <a:endParaRPr lang="en-US" dirty="0">
+              <a:latin typeface="Helvetica" panose="020B0604020202020204" pitchFamily="34" charset="0"/>
+              <a:cs typeface="Helvetica" panose="020B0604020202020204" pitchFamily="34" charset="0"/>
+            </a:endParaRPr>
+          </a:p>
+          <a:p>
+            <a:r>
+              <a:rPr lang="en-US" dirty="0">
+                <a:latin typeface="Helvetica" panose="020B0604020202020204" pitchFamily="34" charset="0"/>
+                <a:cs typeface="Helvetica" panose="020B0604020202020204" pitchFamily="34" charset="0"/>
+              </a:rPr>
+              <a:t>Transition:</a:t>
+            </a:r>
+          </a:p>
+          <a:p>
+            <a:pPr marL="285750" indent="-285750">
+              <a:buFont typeface="Arial" panose="020B0604020202020204" pitchFamily="34" charset="0"/>
+              <a:buChar char="•"/>
+            </a:pPr>
+            <a:r>
+              <a:rPr lang="en-US" dirty="0">
+                <a:latin typeface="Helvetica" panose="020B0604020202020204" pitchFamily="34" charset="0"/>
+                <a:cs typeface="Helvetica" panose="020B0604020202020204" pitchFamily="34" charset="0"/>
+              </a:rPr>
+              <a:t>~200 LWRs starting in 2015</a:t>
+            </a:r>
+          </a:p>
+          <a:p>
             <a:pPr marL="742950" lvl="1" indent="-285750">
               <a:buFont typeface="Arial" panose="020B0604020202020204" pitchFamily="34" charset="0"/>
               <a:buChar char="•"/>
@@ -7918,7 +9316,20 @@
                 <a:latin typeface="Helvetica" panose="020B0604020202020204" pitchFamily="34" charset="0"/>
                 <a:cs typeface="Helvetica" panose="020B0604020202020204" pitchFamily="34" charset="0"/>
               </a:rPr>
-              <a:t>Ability to meet demand of new SFRs</a:t>
+              <a:t>80yr lifetime</a:t>
+            </a:r>
+          </a:p>
+          <a:p>
+            <a:pPr marL="285750" indent="-285750">
+              <a:buFont typeface="Arial" panose="020B0604020202020204" pitchFamily="34" charset="0"/>
+              <a:buChar char="•"/>
+            </a:pPr>
+            <a:r>
+              <a:rPr lang="en-US" dirty="0">
+                <a:latin typeface="Helvetica" panose="020B0604020202020204" pitchFamily="34" charset="0"/>
+                <a:cs typeface="Helvetica" panose="020B0604020202020204" pitchFamily="34" charset="0"/>
+              </a:rPr>
+              <a:t>SFR starts in 2050</a:t>
             </a:r>
           </a:p>
           <a:p>
@@ -7931,11 +9342,11 @@
                 <a:latin typeface="Helvetica" panose="020B0604020202020204" pitchFamily="34" charset="0"/>
                 <a:cs typeface="Helvetica" panose="020B0604020202020204" pitchFamily="34" charset="0"/>
               </a:rPr>
-              <a:t>Diversion capabilities (which was shown earlier)</a:t>
-            </a:r>
-          </a:p>
-          <a:p>
-            <a:pPr marL="742950" lvl="1" indent="-285750">
+              <a:t>80yr lifetime</a:t>
+            </a:r>
+          </a:p>
+          <a:p>
+            <a:pPr marL="285750" indent="-285750">
               <a:buFont typeface="Arial" panose="020B0604020202020204" pitchFamily="34" charset="0"/>
               <a:buChar char="•"/>
             </a:pPr>
@@ -7944,15 +9355,26 @@
                 <a:latin typeface="Helvetica" panose="020B0604020202020204" pitchFamily="34" charset="0"/>
                 <a:cs typeface="Helvetica" panose="020B0604020202020204" pitchFamily="34" charset="0"/>
               </a:rPr>
-              <a:t>Accurate transition from UOX to SFR fuels</a:t>
-            </a:r>
+              <a:t>SFR </a:t>
+            </a:r>
+            <a:r>
+              <a:rPr lang="en-US" dirty="0" err="1">
+                <a:latin typeface="Helvetica" panose="020B0604020202020204" pitchFamily="34" charset="0"/>
+                <a:cs typeface="Helvetica" panose="020B0604020202020204" pitchFamily="34" charset="0"/>
+              </a:rPr>
+              <a:t>PyRe</a:t>
+            </a:r>
+            <a:endParaRPr lang="en-US" dirty="0">
+              <a:latin typeface="Helvetica" panose="020B0604020202020204" pitchFamily="34" charset="0"/>
+              <a:cs typeface="Helvetica" panose="020B0604020202020204" pitchFamily="34" charset="0"/>
+            </a:endParaRPr>
           </a:p>
         </p:txBody>
       </p:sp>
     </p:spTree>
     <p:extLst>
       <p:ext uri="{BB962C8B-B14F-4D97-AF65-F5344CB8AC3E}">
-        <p14:creationId xmlns:p14="http://schemas.microsoft.com/office/powerpoint/2010/main" val="2441093685"/>
+        <p14:creationId xmlns:p14="http://schemas.microsoft.com/office/powerpoint/2010/main" val="232569964"/>
       </p:ext>
     </p:extLst>
   </p:cSld>
